--- a/assets/NLP assist v5.pptx
+++ b/assets/NLP assist v5.pptx
@@ -5,7 +5,7 @@
     <p:sldMasterId id="2147483683" r:id="rId1"/>
   </p:sldMasterIdLst>
   <p:notesMasterIdLst>
-    <p:notesMasterId r:id="rId15"/>
+    <p:notesMasterId r:id="rId19"/>
   </p:notesMasterIdLst>
   <p:sldIdLst>
     <p:sldId id="256" r:id="rId2"/>
@@ -18,22 +18,26 @@
     <p:sldId id="315" r:id="rId9"/>
     <p:sldId id="316" r:id="rId10"/>
     <p:sldId id="317" r:id="rId11"/>
-    <p:sldId id="277" r:id="rId12"/>
+    <p:sldId id="319" r:id="rId12"/>
     <p:sldId id="263" r:id="rId13"/>
     <p:sldId id="318" r:id="rId14"/>
+    <p:sldId id="323" r:id="rId15"/>
+    <p:sldId id="325" r:id="rId16"/>
+    <p:sldId id="320" r:id="rId17"/>
+    <p:sldId id="322" r:id="rId18"/>
   </p:sldIdLst>
   <p:sldSz cx="9144000" cy="5143500" type="screen16x9"/>
   <p:notesSz cx="6858000" cy="9144000"/>
   <p:embeddedFontLst>
     <p:embeddedFont>
       <p:font typeface="Montserrat ExtraBold" panose="00000900000000000000" pitchFamily="2" charset="0"/>
-      <p:bold r:id="rId16"/>
-      <p:boldItalic r:id="rId17"/>
+      <p:bold r:id="rId20"/>
+      <p:boldItalic r:id="rId21"/>
     </p:embeddedFont>
     <p:embeddedFont>
       <p:font typeface="Oxygen" panose="02000503000000000000" pitchFamily="2" charset="0"/>
-      <p:regular r:id="rId18"/>
-      <p:bold r:id="rId19"/>
+      <p:regular r:id="rId22"/>
+      <p:bold r:id="rId23"/>
     </p:embeddedFont>
   </p:embeddedFontLst>
   <p:defaultTextStyle>
@@ -265,6 +269,11 @@
       </a:defRPr>
     </a:lvl9pPr>
   </p:defaultTextStyle>
+  <p:extLst>
+    <p:ext uri="{EFAFB233-063F-42B5-8137-9DF3F51BA10A}">
+      <p15:sldGuideLst xmlns:p15="http://schemas.microsoft.com/office/powerpoint/2012/main"/>
+    </p:ext>
+  </p:extLst>
 </p:presentation>
 </file>
 
@@ -910,6 +919,11 @@
         </p:txBody>
       </p:sp>
     </p:spTree>
+    <p:extLst>
+      <p:ext uri="{BB962C8B-B14F-4D97-AF65-F5344CB8AC3E}">
+        <p14:creationId xmlns:p14="http://schemas.microsoft.com/office/powerpoint/2010/main" val="2214927249"/>
+      </p:ext>
+    </p:extLst>
   </p:cSld>
   <p:clrMapOvr>
     <a:masterClrMapping/>
@@ -1016,7 +1030,116 @@
     </p:spTree>
     <p:extLst>
       <p:ext uri="{BB962C8B-B14F-4D97-AF65-F5344CB8AC3E}">
-        <p14:creationId xmlns:p14="http://schemas.microsoft.com/office/powerpoint/2010/main" val="2214927249"/>
+        <p14:creationId xmlns:p14="http://schemas.microsoft.com/office/powerpoint/2010/main" val="555699552"/>
+      </p:ext>
+    </p:extLst>
+  </p:cSld>
+  <p:clrMapOvr>
+    <a:masterClrMapping/>
+  </p:clrMapOvr>
+</p:notes>
+</file>
+
+<file path=ppt/notesSlides/notesSlide12.xml><?xml version="1.0" encoding="utf-8"?>
+<p:notes xmlns:a="http://schemas.openxmlformats.org/drawingml/2006/main" xmlns:r="http://schemas.openxmlformats.org/officeDocument/2006/relationships" xmlns:p="http://schemas.openxmlformats.org/presentationml/2006/main" showMasterSp="0" showMasterPhAnim="0">
+  <p:cSld>
+    <p:spTree>
+      <p:nvGrpSpPr>
+        <p:cNvPr id="1" name="Shape 424"/>
+        <p:cNvGrpSpPr/>
+        <p:nvPr/>
+      </p:nvGrpSpPr>
+      <p:grpSpPr>
+        <a:xfrm>
+          <a:off x="0" y="0"/>
+          <a:ext cx="0" cy="0"/>
+          <a:chOff x="0" y="0"/>
+          <a:chExt cx="0" cy="0"/>
+        </a:xfrm>
+      </p:grpSpPr>
+      <p:sp>
+        <p:nvSpPr>
+          <p:cNvPr id="425" name="Google Shape;425;ge21fa792ab_0_4:notes"/>
+          <p:cNvSpPr>
+            <a:spLocks noGrp="1" noRot="1" noChangeAspect="1"/>
+          </p:cNvSpPr>
+          <p:nvPr>
+            <p:ph type="sldImg" idx="2"/>
+          </p:nvPr>
+        </p:nvSpPr>
+        <p:spPr>
+          <a:xfrm>
+            <a:off x="381000" y="685800"/>
+            <a:ext cx="6096000" cy="3429000"/>
+          </a:xfrm>
+          <a:custGeom>
+            <a:avLst/>
+            <a:gdLst/>
+            <a:ahLst/>
+            <a:cxnLst/>
+            <a:rect l="l" t="t" r="r" b="b"/>
+            <a:pathLst>
+              <a:path w="120000" h="120000" extrusionOk="0">
+                <a:moveTo>
+                  <a:pt x="0" y="0"/>
+                </a:moveTo>
+                <a:lnTo>
+                  <a:pt x="120000" y="0"/>
+                </a:lnTo>
+                <a:lnTo>
+                  <a:pt x="120000" y="120000"/>
+                </a:lnTo>
+                <a:lnTo>
+                  <a:pt x="0" y="120000"/>
+                </a:lnTo>
+                <a:close/>
+              </a:path>
+            </a:pathLst>
+          </a:custGeom>
+        </p:spPr>
+      </p:sp>
+      <p:sp>
+        <p:nvSpPr>
+          <p:cNvPr id="426" name="Google Shape;426;ge21fa792ab_0_4:notes"/>
+          <p:cNvSpPr txBox="1">
+            <a:spLocks noGrp="1"/>
+          </p:cNvSpPr>
+          <p:nvPr>
+            <p:ph type="body" idx="1"/>
+          </p:nvPr>
+        </p:nvSpPr>
+        <p:spPr>
+          <a:xfrm>
+            <a:off x="685800" y="4343400"/>
+            <a:ext cx="5486400" cy="4114800"/>
+          </a:xfrm>
+          <a:prstGeom prst="rect">
+            <a:avLst/>
+          </a:prstGeom>
+        </p:spPr>
+        <p:txBody>
+          <a:bodyPr spcFirstLastPara="1" wrap="square" lIns="91425" tIns="91425" rIns="91425" bIns="91425" anchor="t" anchorCtr="0">
+            <a:noAutofit/>
+          </a:bodyPr>
+          <a:lstStyle/>
+          <a:p>
+            <a:pPr marL="0" lvl="0" indent="0" algn="l" rtl="0">
+              <a:spcBef>
+                <a:spcPts val="0"/>
+              </a:spcBef>
+              <a:spcAft>
+                <a:spcPts val="0"/>
+              </a:spcAft>
+              <a:buNone/>
+            </a:pPr>
+            <a:endParaRPr/>
+          </a:p>
+        </p:txBody>
+      </p:sp>
+    </p:spTree>
+    <p:extLst>
+      <p:ext uri="{BB962C8B-B14F-4D97-AF65-F5344CB8AC3E}">
+        <p14:creationId xmlns:p14="http://schemas.microsoft.com/office/powerpoint/2010/main" val="3103765346"/>
       </p:ext>
     </p:extLst>
   </p:cSld>
@@ -1774,7 +1897,7 @@
   <p:cSld>
     <p:spTree>
       <p:nvGrpSpPr>
-        <p:cNvPr id="1" name="Shape 697"/>
+        <p:cNvPr id="1" name="Shape 424"/>
         <p:cNvGrpSpPr/>
         <p:nvPr/>
       </p:nvGrpSpPr>
@@ -1788,7 +1911,7 @@
       </p:grpSpPr>
       <p:sp>
         <p:nvSpPr>
-          <p:cNvPr id="698" name="Google Shape;698;gfbb2acf8a9_0_190:notes"/>
+          <p:cNvPr id="425" name="Google Shape;425;ge21fa792ab_0_4:notes"/>
           <p:cNvSpPr>
             <a:spLocks noGrp="1" noRot="1" noChangeAspect="1"/>
           </p:cNvSpPr>
@@ -1829,7 +1952,7 @@
       </p:sp>
       <p:sp>
         <p:nvSpPr>
-          <p:cNvPr id="699" name="Google Shape;699;gfbb2acf8a9_0_190:notes"/>
+          <p:cNvPr id="426" name="Google Shape;426;ge21fa792ab_0_4:notes"/>
           <p:cNvSpPr txBox="1">
             <a:spLocks noGrp="1"/>
           </p:cNvSpPr>
@@ -2468,368 +2591,6 @@
 </file>
 
 <file path=ppt/slideLayouts/slideLayout10.xml><?xml version="1.0" encoding="utf-8"?>
-<p:sldLayout xmlns:a="http://schemas.openxmlformats.org/drawingml/2006/main" xmlns:r="http://schemas.openxmlformats.org/officeDocument/2006/relationships" xmlns:p="http://schemas.openxmlformats.org/presentationml/2006/main" matchingName="Background">
-  <p:cSld name="BLANK_1_1_1_1_1_1_1">
-    <p:bg>
-      <p:bgPr>
-        <a:blipFill>
-          <a:blip r:embed="rId2">
-            <a:alphaModFix/>
-          </a:blip>
-          <a:stretch>
-            <a:fillRect/>
-          </a:stretch>
-        </a:blipFill>
-        <a:effectLst/>
-      </p:bgPr>
-    </p:bg>
-    <p:spTree>
-      <p:nvGrpSpPr>
-        <p:cNvPr id="1" name="Shape 319"/>
-        <p:cNvGrpSpPr/>
-        <p:nvPr/>
-      </p:nvGrpSpPr>
-      <p:grpSpPr>
-        <a:xfrm>
-          <a:off x="0" y="0"/>
-          <a:ext cx="0" cy="0"/>
-          <a:chOff x="0" y="0"/>
-          <a:chExt cx="0" cy="0"/>
-        </a:xfrm>
-      </p:grpSpPr>
-      <p:pic>
-        <p:nvPicPr>
-          <p:cNvPr id="320" name="Google Shape;320;p33"/>
-          <p:cNvPicPr preferRelativeResize="0"/>
-          <p:nvPr/>
-        </p:nvPicPr>
-        <p:blipFill>
-          <a:blip r:embed="rId3">
-            <a:alphaModFix amt="50000"/>
-          </a:blip>
-          <a:stretch>
-            <a:fillRect/>
-          </a:stretch>
-        </p:blipFill>
-        <p:spPr>
-          <a:xfrm rot="-1212016">
-            <a:off x="-431407" y="-809749"/>
-            <a:ext cx="5835592" cy="2362199"/>
-          </a:xfrm>
-          <a:prstGeom prst="rect">
-            <a:avLst/>
-          </a:prstGeom>
-          <a:noFill/>
-          <a:ln>
-            <a:noFill/>
-          </a:ln>
-        </p:spPr>
-      </p:pic>
-      <p:sp>
-        <p:nvSpPr>
-          <p:cNvPr id="321" name="Google Shape;321;p33"/>
-          <p:cNvSpPr/>
-          <p:nvPr/>
-        </p:nvSpPr>
-        <p:spPr>
-          <a:xfrm>
-            <a:off x="2735075" y="412500"/>
-            <a:ext cx="255000" cy="255000"/>
-          </a:xfrm>
-          <a:prstGeom prst="ellipse">
-            <a:avLst/>
-          </a:prstGeom>
-          <a:gradFill>
-            <a:gsLst>
-              <a:gs pos="0">
-                <a:schemeClr val="accent1"/>
-              </a:gs>
-              <a:gs pos="100000">
-                <a:schemeClr val="accent4"/>
-              </a:gs>
-            </a:gsLst>
-            <a:lin ang="2698631" scaled="0"/>
-          </a:gradFill>
-          <a:ln>
-            <a:noFill/>
-          </a:ln>
-        </p:spPr>
-        <p:txBody>
-          <a:bodyPr spcFirstLastPara="1" wrap="square" lIns="91425" tIns="91425" rIns="91425" bIns="91425" anchor="ctr" anchorCtr="0">
-            <a:noAutofit/>
-          </a:bodyPr>
-          <a:lstStyle/>
-          <a:p>
-            <a:pPr marL="0" lvl="0" indent="0" algn="l" rtl="0">
-              <a:spcBef>
-                <a:spcPts val="0"/>
-              </a:spcBef>
-              <a:spcAft>
-                <a:spcPts val="0"/>
-              </a:spcAft>
-              <a:buNone/>
-            </a:pPr>
-            <a:endParaRPr/>
-          </a:p>
-        </p:txBody>
-      </p:sp>
-      <p:sp>
-        <p:nvSpPr>
-          <p:cNvPr id="322" name="Google Shape;322;p33"/>
-          <p:cNvSpPr/>
-          <p:nvPr/>
-        </p:nvSpPr>
-        <p:spPr>
-          <a:xfrm>
-            <a:off x="6152325" y="4186400"/>
-            <a:ext cx="1943100" cy="1943100"/>
-          </a:xfrm>
-          <a:prstGeom prst="blockArc">
-            <a:avLst>
-              <a:gd name="adj1" fmla="val 10800000"/>
-              <a:gd name="adj2" fmla="val 0"/>
-              <a:gd name="adj3" fmla="val 25000"/>
-            </a:avLst>
-          </a:prstGeom>
-          <a:gradFill>
-            <a:gsLst>
-              <a:gs pos="0">
-                <a:schemeClr val="accent1"/>
-              </a:gs>
-              <a:gs pos="100000">
-                <a:schemeClr val="accent4"/>
-              </a:gs>
-            </a:gsLst>
-            <a:lin ang="2698631" scaled="0"/>
-          </a:gradFill>
-          <a:ln>
-            <a:noFill/>
-          </a:ln>
-        </p:spPr>
-        <p:txBody>
-          <a:bodyPr spcFirstLastPara="1" wrap="square" lIns="91425" tIns="91425" rIns="91425" bIns="91425" anchor="ctr" anchorCtr="0">
-            <a:noAutofit/>
-          </a:bodyPr>
-          <a:lstStyle/>
-          <a:p>
-            <a:pPr marL="0" lvl="0" indent="0" algn="l" rtl="0">
-              <a:spcBef>
-                <a:spcPts val="0"/>
-              </a:spcBef>
-              <a:spcAft>
-                <a:spcPts val="0"/>
-              </a:spcAft>
-              <a:buNone/>
-            </a:pPr>
-            <a:endParaRPr/>
-          </a:p>
-        </p:txBody>
-      </p:sp>
-      <p:sp>
-        <p:nvSpPr>
-          <p:cNvPr id="323" name="Google Shape;323;p33"/>
-          <p:cNvSpPr/>
-          <p:nvPr/>
-        </p:nvSpPr>
-        <p:spPr>
-          <a:xfrm>
-            <a:off x="7590675" y="4186475"/>
-            <a:ext cx="504900" cy="504600"/>
-          </a:xfrm>
-          <a:prstGeom prst="ellipse">
-            <a:avLst/>
-          </a:prstGeom>
-          <a:gradFill>
-            <a:gsLst>
-              <a:gs pos="0">
-                <a:schemeClr val="accent5"/>
-              </a:gs>
-              <a:gs pos="100000">
-                <a:schemeClr val="accent2"/>
-              </a:gs>
-            </a:gsLst>
-            <a:lin ang="5400700" scaled="0"/>
-          </a:gradFill>
-          <a:ln>
-            <a:noFill/>
-          </a:ln>
-        </p:spPr>
-        <p:txBody>
-          <a:bodyPr spcFirstLastPara="1" wrap="square" lIns="91425" tIns="91425" rIns="91425" bIns="91425" anchor="ctr" anchorCtr="0">
-            <a:noAutofit/>
-          </a:bodyPr>
-          <a:lstStyle/>
-          <a:p>
-            <a:pPr marL="0" lvl="0" indent="0" algn="l" rtl="0">
-              <a:spcBef>
-                <a:spcPts val="0"/>
-              </a:spcBef>
-              <a:spcAft>
-                <a:spcPts val="0"/>
-              </a:spcAft>
-              <a:buNone/>
-            </a:pPr>
-            <a:endParaRPr/>
-          </a:p>
-        </p:txBody>
-      </p:sp>
-      <p:sp>
-        <p:nvSpPr>
-          <p:cNvPr id="324" name="Google Shape;324;p33"/>
-          <p:cNvSpPr/>
-          <p:nvPr/>
-        </p:nvSpPr>
-        <p:spPr>
-          <a:xfrm>
-            <a:off x="-133950" y="1029132"/>
-            <a:ext cx="276000" cy="275700"/>
-          </a:xfrm>
-          <a:prstGeom prst="ellipse">
-            <a:avLst/>
-          </a:prstGeom>
-          <a:gradFill>
-            <a:gsLst>
-              <a:gs pos="0">
-                <a:schemeClr val="accent5"/>
-              </a:gs>
-              <a:gs pos="100000">
-                <a:schemeClr val="accent2"/>
-              </a:gs>
-            </a:gsLst>
-            <a:lin ang="5400700" scaled="0"/>
-          </a:gradFill>
-          <a:ln>
-            <a:noFill/>
-          </a:ln>
-        </p:spPr>
-        <p:txBody>
-          <a:bodyPr spcFirstLastPara="1" wrap="square" lIns="91425" tIns="91425" rIns="91425" bIns="91425" anchor="ctr" anchorCtr="0">
-            <a:noAutofit/>
-          </a:bodyPr>
-          <a:lstStyle/>
-          <a:p>
-            <a:pPr marL="0" lvl="0" indent="0" algn="l" rtl="0">
-              <a:spcBef>
-                <a:spcPts val="0"/>
-              </a:spcBef>
-              <a:spcAft>
-                <a:spcPts val="0"/>
-              </a:spcAft>
-              <a:buNone/>
-            </a:pPr>
-            <a:endParaRPr/>
-          </a:p>
-        </p:txBody>
-      </p:sp>
-      <p:sp>
-        <p:nvSpPr>
-          <p:cNvPr id="325" name="Google Shape;325;p33"/>
-          <p:cNvSpPr/>
-          <p:nvPr/>
-        </p:nvSpPr>
-        <p:spPr>
-          <a:xfrm rot="10800000">
-            <a:off x="4381425" y="-709525"/>
-            <a:ext cx="1419300" cy="1419300"/>
-          </a:xfrm>
-          <a:prstGeom prst="blockArc">
-            <a:avLst>
-              <a:gd name="adj1" fmla="val 10800000"/>
-              <a:gd name="adj2" fmla="val 0"/>
-              <a:gd name="adj3" fmla="val 25000"/>
-            </a:avLst>
-          </a:prstGeom>
-          <a:gradFill>
-            <a:gsLst>
-              <a:gs pos="0">
-                <a:schemeClr val="accent1"/>
-              </a:gs>
-              <a:gs pos="100000">
-                <a:schemeClr val="accent4"/>
-              </a:gs>
-            </a:gsLst>
-            <a:lin ang="2698631" scaled="0"/>
-          </a:gradFill>
-          <a:ln>
-            <a:noFill/>
-          </a:ln>
-        </p:spPr>
-        <p:txBody>
-          <a:bodyPr spcFirstLastPara="1" wrap="square" lIns="91425" tIns="91425" rIns="91425" bIns="91425" anchor="ctr" anchorCtr="0">
-            <a:noAutofit/>
-          </a:bodyPr>
-          <a:lstStyle/>
-          <a:p>
-            <a:pPr marL="0" lvl="0" indent="0" algn="l" rtl="0">
-              <a:spcBef>
-                <a:spcPts val="0"/>
-              </a:spcBef>
-              <a:spcAft>
-                <a:spcPts val="0"/>
-              </a:spcAft>
-              <a:buNone/>
-            </a:pPr>
-            <a:endParaRPr/>
-          </a:p>
-        </p:txBody>
-      </p:sp>
-      <p:sp>
-        <p:nvSpPr>
-          <p:cNvPr id="326" name="Google Shape;326;p33"/>
-          <p:cNvSpPr/>
-          <p:nvPr/>
-        </p:nvSpPr>
-        <p:spPr>
-          <a:xfrm>
-            <a:off x="6009675" y="5020107"/>
-            <a:ext cx="276000" cy="275700"/>
-          </a:xfrm>
-          <a:prstGeom prst="ellipse">
-            <a:avLst/>
-          </a:prstGeom>
-          <a:gradFill>
-            <a:gsLst>
-              <a:gs pos="0">
-                <a:schemeClr val="accent5"/>
-              </a:gs>
-              <a:gs pos="100000">
-                <a:schemeClr val="accent2"/>
-              </a:gs>
-            </a:gsLst>
-            <a:lin ang="5400700" scaled="0"/>
-          </a:gradFill>
-          <a:ln>
-            <a:noFill/>
-          </a:ln>
-        </p:spPr>
-        <p:txBody>
-          <a:bodyPr spcFirstLastPara="1" wrap="square" lIns="91425" tIns="91425" rIns="91425" bIns="91425" anchor="ctr" anchorCtr="0">
-            <a:noAutofit/>
-          </a:bodyPr>
-          <a:lstStyle/>
-          <a:p>
-            <a:pPr marL="0" lvl="0" indent="0" algn="l" rtl="0">
-              <a:spcBef>
-                <a:spcPts val="0"/>
-              </a:spcBef>
-              <a:spcAft>
-                <a:spcPts val="0"/>
-              </a:spcAft>
-              <a:buNone/>
-            </a:pPr>
-            <a:endParaRPr/>
-          </a:p>
-        </p:txBody>
-      </p:sp>
-    </p:spTree>
-  </p:cSld>
-  <p:clrMapOvr>
-    <a:masterClrMapping/>
-  </p:clrMapOvr>
-</p:sldLayout>
-</file>
-
-<file path=ppt/slideLayouts/slideLayout11.xml><?xml version="1.0" encoding="utf-8"?>
 <p:sldLayout xmlns:a="http://schemas.openxmlformats.org/drawingml/2006/main" xmlns:r="http://schemas.openxmlformats.org/officeDocument/2006/relationships" xmlns:p="http://schemas.openxmlformats.org/presentationml/2006/main" matchingName="Background 1">
   <p:cSld name="BLANK_1_1_1_1_1_1_1_1">
     <p:bg>
@@ -7993,512 +7754,6 @@
 </file>
 
 <file path=ppt/slideLayouts/slideLayout7.xml><?xml version="1.0" encoding="utf-8"?>
-<p:sldLayout xmlns:a="http://schemas.openxmlformats.org/drawingml/2006/main" xmlns:r="http://schemas.openxmlformats.org/officeDocument/2006/relationships" xmlns:p="http://schemas.openxmlformats.org/presentationml/2006/main" matchingName="Title and text 2">
-  <p:cSld name="ONE_COLUMN_TEXT_1_1">
-    <p:bg>
-      <p:bgPr>
-        <a:blipFill>
-          <a:blip r:embed="rId2">
-            <a:alphaModFix/>
-          </a:blip>
-          <a:stretch>
-            <a:fillRect/>
-          </a:stretch>
-        </a:blipFill>
-        <a:effectLst/>
-      </p:bgPr>
-    </p:bg>
-    <p:spTree>
-      <p:nvGrpSpPr>
-        <p:cNvPr id="1" name="Shape 168"/>
-        <p:cNvGrpSpPr/>
-        <p:nvPr/>
-      </p:nvGrpSpPr>
-      <p:grpSpPr>
-        <a:xfrm>
-          <a:off x="0" y="0"/>
-          <a:ext cx="0" cy="0"/>
-          <a:chOff x="0" y="0"/>
-          <a:chExt cx="0" cy="0"/>
-        </a:xfrm>
-      </p:grpSpPr>
-      <p:sp>
-        <p:nvSpPr>
-          <p:cNvPr id="169" name="Google Shape;169;p21"/>
-          <p:cNvSpPr txBox="1">
-            <a:spLocks noGrp="1"/>
-          </p:cNvSpPr>
-          <p:nvPr>
-            <p:ph type="title"/>
-          </p:nvPr>
-        </p:nvSpPr>
-        <p:spPr>
-          <a:xfrm>
-            <a:off x="4823800" y="2104475"/>
-            <a:ext cx="3579600" cy="524400"/>
-          </a:xfrm>
-          <a:prstGeom prst="rect">
-            <a:avLst/>
-          </a:prstGeom>
-        </p:spPr>
-        <p:txBody>
-          <a:bodyPr spcFirstLastPara="1" wrap="square" lIns="91425" tIns="91425" rIns="91425" bIns="91425" anchor="ctr" anchorCtr="0">
-            <a:noAutofit/>
-          </a:bodyPr>
-          <a:lstStyle>
-            <a:lvl1pPr lvl="0" algn="l" rtl="0">
-              <a:spcBef>
-                <a:spcPts val="0"/>
-              </a:spcBef>
-              <a:spcAft>
-                <a:spcPts val="0"/>
-              </a:spcAft>
-              <a:buSzPts val="2800"/>
-              <a:buNone/>
-              <a:defRPr/>
-            </a:lvl1pPr>
-            <a:lvl2pPr lvl="1" rtl="0">
-              <a:spcBef>
-                <a:spcPts val="0"/>
-              </a:spcBef>
-              <a:spcAft>
-                <a:spcPts val="0"/>
-              </a:spcAft>
-              <a:buSzPts val="2800"/>
-              <a:buNone/>
-              <a:defRPr/>
-            </a:lvl2pPr>
-            <a:lvl3pPr lvl="2" rtl="0">
-              <a:spcBef>
-                <a:spcPts val="0"/>
-              </a:spcBef>
-              <a:spcAft>
-                <a:spcPts val="0"/>
-              </a:spcAft>
-              <a:buSzPts val="2800"/>
-              <a:buNone/>
-              <a:defRPr/>
-            </a:lvl3pPr>
-            <a:lvl4pPr lvl="3" rtl="0">
-              <a:spcBef>
-                <a:spcPts val="0"/>
-              </a:spcBef>
-              <a:spcAft>
-                <a:spcPts val="0"/>
-              </a:spcAft>
-              <a:buSzPts val="2800"/>
-              <a:buNone/>
-              <a:defRPr/>
-            </a:lvl4pPr>
-            <a:lvl5pPr lvl="4" rtl="0">
-              <a:spcBef>
-                <a:spcPts val="0"/>
-              </a:spcBef>
-              <a:spcAft>
-                <a:spcPts val="0"/>
-              </a:spcAft>
-              <a:buSzPts val="2800"/>
-              <a:buNone/>
-              <a:defRPr/>
-            </a:lvl5pPr>
-            <a:lvl6pPr lvl="5" rtl="0">
-              <a:spcBef>
-                <a:spcPts val="0"/>
-              </a:spcBef>
-              <a:spcAft>
-                <a:spcPts val="0"/>
-              </a:spcAft>
-              <a:buSzPts val="2800"/>
-              <a:buNone/>
-              <a:defRPr/>
-            </a:lvl6pPr>
-            <a:lvl7pPr lvl="6" rtl="0">
-              <a:spcBef>
-                <a:spcPts val="0"/>
-              </a:spcBef>
-              <a:spcAft>
-                <a:spcPts val="0"/>
-              </a:spcAft>
-              <a:buSzPts val="2800"/>
-              <a:buNone/>
-              <a:defRPr/>
-            </a:lvl7pPr>
-            <a:lvl8pPr lvl="7" rtl="0">
-              <a:spcBef>
-                <a:spcPts val="0"/>
-              </a:spcBef>
-              <a:spcAft>
-                <a:spcPts val="0"/>
-              </a:spcAft>
-              <a:buSzPts val="2800"/>
-              <a:buNone/>
-              <a:defRPr/>
-            </a:lvl8pPr>
-            <a:lvl9pPr lvl="8" rtl="0">
-              <a:spcBef>
-                <a:spcPts val="0"/>
-              </a:spcBef>
-              <a:spcAft>
-                <a:spcPts val="0"/>
-              </a:spcAft>
-              <a:buSzPts val="2800"/>
-              <a:buNone/>
-              <a:defRPr/>
-            </a:lvl9pPr>
-          </a:lstStyle>
-          <a:p>
-            <a:endParaRPr/>
-          </a:p>
-        </p:txBody>
-      </p:sp>
-      <p:sp>
-        <p:nvSpPr>
-          <p:cNvPr id="170" name="Google Shape;170;p21"/>
-          <p:cNvSpPr txBox="1">
-            <a:spLocks noGrp="1"/>
-          </p:cNvSpPr>
-          <p:nvPr>
-            <p:ph type="subTitle" idx="1"/>
-          </p:nvPr>
-        </p:nvSpPr>
-        <p:spPr>
-          <a:xfrm rot="-288">
-            <a:off x="4823725" y="2571902"/>
-            <a:ext cx="3579600" cy="831000"/>
-          </a:xfrm>
-          <a:prstGeom prst="rect">
-            <a:avLst/>
-          </a:prstGeom>
-          <a:noFill/>
-          <a:ln>
-            <a:noFill/>
-          </a:ln>
-        </p:spPr>
-        <p:txBody>
-          <a:bodyPr spcFirstLastPara="1" wrap="square" lIns="91425" tIns="91425" rIns="91425" bIns="91425" anchor="t" anchorCtr="0">
-            <a:noAutofit/>
-          </a:bodyPr>
-          <a:lstStyle>
-            <a:lvl1pPr lvl="0" rtl="0">
-              <a:lnSpc>
-                <a:spcPct val="100000"/>
-              </a:lnSpc>
-              <a:spcBef>
-                <a:spcPts val="0"/>
-              </a:spcBef>
-              <a:spcAft>
-                <a:spcPts val="0"/>
-              </a:spcAft>
-              <a:buClr>
-                <a:schemeClr val="accent5"/>
-              </a:buClr>
-              <a:buSzPts val="1400"/>
-              <a:buChar char="●"/>
-              <a:defRPr/>
-            </a:lvl1pPr>
-            <a:lvl2pPr lvl="1" algn="ctr" rtl="0">
-              <a:lnSpc>
-                <a:spcPct val="100000"/>
-              </a:lnSpc>
-              <a:spcBef>
-                <a:spcPts val="0"/>
-              </a:spcBef>
-              <a:spcAft>
-                <a:spcPts val="0"/>
-              </a:spcAft>
-              <a:buSzPts val="1400"/>
-              <a:buChar char="○"/>
-              <a:defRPr/>
-            </a:lvl2pPr>
-            <a:lvl3pPr lvl="2" algn="ctr" rtl="0">
-              <a:lnSpc>
-                <a:spcPct val="100000"/>
-              </a:lnSpc>
-              <a:spcBef>
-                <a:spcPts val="1600"/>
-              </a:spcBef>
-              <a:spcAft>
-                <a:spcPts val="0"/>
-              </a:spcAft>
-              <a:buSzPts val="1400"/>
-              <a:buChar char="■"/>
-              <a:defRPr/>
-            </a:lvl3pPr>
-            <a:lvl4pPr lvl="3" algn="ctr" rtl="0">
-              <a:lnSpc>
-                <a:spcPct val="100000"/>
-              </a:lnSpc>
-              <a:spcBef>
-                <a:spcPts val="1600"/>
-              </a:spcBef>
-              <a:spcAft>
-                <a:spcPts val="0"/>
-              </a:spcAft>
-              <a:buSzPts val="1400"/>
-              <a:buChar char="●"/>
-              <a:defRPr/>
-            </a:lvl4pPr>
-            <a:lvl5pPr lvl="4" algn="ctr" rtl="0">
-              <a:lnSpc>
-                <a:spcPct val="100000"/>
-              </a:lnSpc>
-              <a:spcBef>
-                <a:spcPts val="1600"/>
-              </a:spcBef>
-              <a:spcAft>
-                <a:spcPts val="0"/>
-              </a:spcAft>
-              <a:buSzPts val="1400"/>
-              <a:buChar char="○"/>
-              <a:defRPr/>
-            </a:lvl5pPr>
-            <a:lvl6pPr lvl="5" algn="ctr" rtl="0">
-              <a:lnSpc>
-                <a:spcPct val="100000"/>
-              </a:lnSpc>
-              <a:spcBef>
-                <a:spcPts val="1600"/>
-              </a:spcBef>
-              <a:spcAft>
-                <a:spcPts val="0"/>
-              </a:spcAft>
-              <a:buSzPts val="1400"/>
-              <a:buChar char="■"/>
-              <a:defRPr/>
-            </a:lvl6pPr>
-            <a:lvl7pPr lvl="6" algn="ctr" rtl="0">
-              <a:lnSpc>
-                <a:spcPct val="100000"/>
-              </a:lnSpc>
-              <a:spcBef>
-                <a:spcPts val="1600"/>
-              </a:spcBef>
-              <a:spcAft>
-                <a:spcPts val="0"/>
-              </a:spcAft>
-              <a:buSzPts val="1400"/>
-              <a:buChar char="●"/>
-              <a:defRPr/>
-            </a:lvl7pPr>
-            <a:lvl8pPr lvl="7" algn="ctr" rtl="0">
-              <a:lnSpc>
-                <a:spcPct val="100000"/>
-              </a:lnSpc>
-              <a:spcBef>
-                <a:spcPts val="1600"/>
-              </a:spcBef>
-              <a:spcAft>
-                <a:spcPts val="0"/>
-              </a:spcAft>
-              <a:buSzPts val="1400"/>
-              <a:buChar char="○"/>
-              <a:defRPr/>
-            </a:lvl8pPr>
-            <a:lvl9pPr lvl="8" algn="ctr" rtl="0">
-              <a:lnSpc>
-                <a:spcPct val="100000"/>
-              </a:lnSpc>
-              <a:spcBef>
-                <a:spcPts val="1600"/>
-              </a:spcBef>
-              <a:spcAft>
-                <a:spcPts val="1600"/>
-              </a:spcAft>
-              <a:buSzPts val="1400"/>
-              <a:buChar char="■"/>
-              <a:defRPr/>
-            </a:lvl9pPr>
-          </a:lstStyle>
-          <a:p>
-            <a:endParaRPr/>
-          </a:p>
-        </p:txBody>
-      </p:sp>
-      <p:pic>
-        <p:nvPicPr>
-          <p:cNvPr id="171" name="Google Shape;171;p21"/>
-          <p:cNvPicPr preferRelativeResize="0"/>
-          <p:nvPr/>
-        </p:nvPicPr>
-        <p:blipFill>
-          <a:blip r:embed="rId3">
-            <a:alphaModFix amt="50000"/>
-          </a:blip>
-          <a:stretch>
-            <a:fillRect/>
-          </a:stretch>
-        </p:blipFill>
-        <p:spPr>
-          <a:xfrm rot="1212016" flipH="1">
-            <a:off x="3715891" y="-809749"/>
-            <a:ext cx="5835592" cy="2362199"/>
-          </a:xfrm>
-          <a:prstGeom prst="rect">
-            <a:avLst/>
-          </a:prstGeom>
-          <a:noFill/>
-          <a:ln>
-            <a:noFill/>
-          </a:ln>
-        </p:spPr>
-      </p:pic>
-      <p:sp>
-        <p:nvSpPr>
-          <p:cNvPr id="172" name="Google Shape;172;p21"/>
-          <p:cNvSpPr/>
-          <p:nvPr/>
-        </p:nvSpPr>
-        <p:spPr>
-          <a:xfrm flipH="1">
-            <a:off x="6130002" y="412500"/>
-            <a:ext cx="255000" cy="255000"/>
-          </a:xfrm>
-          <a:prstGeom prst="ellipse">
-            <a:avLst/>
-          </a:prstGeom>
-          <a:gradFill>
-            <a:gsLst>
-              <a:gs pos="0">
-                <a:schemeClr val="accent1"/>
-              </a:gs>
-              <a:gs pos="100000">
-                <a:schemeClr val="accent4"/>
-              </a:gs>
-            </a:gsLst>
-            <a:lin ang="2698631" scaled="0"/>
-          </a:gradFill>
-          <a:ln>
-            <a:noFill/>
-          </a:ln>
-        </p:spPr>
-        <p:txBody>
-          <a:bodyPr spcFirstLastPara="1" wrap="square" lIns="91425" tIns="91425" rIns="91425" bIns="91425" anchor="ctr" anchorCtr="0">
-            <a:noAutofit/>
-          </a:bodyPr>
-          <a:lstStyle/>
-          <a:p>
-            <a:pPr marL="0" lvl="0" indent="0" algn="l" rtl="0">
-              <a:spcBef>
-                <a:spcPts val="0"/>
-              </a:spcBef>
-              <a:spcAft>
-                <a:spcPts val="0"/>
-              </a:spcAft>
-              <a:buNone/>
-            </a:pPr>
-            <a:endParaRPr/>
-          </a:p>
-        </p:txBody>
-      </p:sp>
-      <p:sp>
-        <p:nvSpPr>
-          <p:cNvPr id="173" name="Google Shape;173;p21"/>
-          <p:cNvSpPr/>
-          <p:nvPr/>
-        </p:nvSpPr>
-        <p:spPr>
-          <a:xfrm flipH="1">
-            <a:off x="8978027" y="1029132"/>
-            <a:ext cx="276000" cy="275700"/>
-          </a:xfrm>
-          <a:prstGeom prst="ellipse">
-            <a:avLst/>
-          </a:prstGeom>
-          <a:gradFill>
-            <a:gsLst>
-              <a:gs pos="0">
-                <a:schemeClr val="accent5"/>
-              </a:gs>
-              <a:gs pos="100000">
-                <a:schemeClr val="accent2"/>
-              </a:gs>
-            </a:gsLst>
-            <a:lin ang="5400700" scaled="0"/>
-          </a:gradFill>
-          <a:ln>
-            <a:noFill/>
-          </a:ln>
-        </p:spPr>
-        <p:txBody>
-          <a:bodyPr spcFirstLastPara="1" wrap="square" lIns="91425" tIns="91425" rIns="91425" bIns="91425" anchor="ctr" anchorCtr="0">
-            <a:noAutofit/>
-          </a:bodyPr>
-          <a:lstStyle/>
-          <a:p>
-            <a:pPr marL="0" lvl="0" indent="0" algn="l" rtl="0">
-              <a:spcBef>
-                <a:spcPts val="0"/>
-              </a:spcBef>
-              <a:spcAft>
-                <a:spcPts val="0"/>
-              </a:spcAft>
-              <a:buNone/>
-            </a:pPr>
-            <a:endParaRPr/>
-          </a:p>
-        </p:txBody>
-      </p:sp>
-      <p:sp>
-        <p:nvSpPr>
-          <p:cNvPr id="174" name="Google Shape;174;p21"/>
-          <p:cNvSpPr/>
-          <p:nvPr/>
-        </p:nvSpPr>
-        <p:spPr>
-          <a:xfrm rot="10800000" flipH="1">
-            <a:off x="3319352" y="-709525"/>
-            <a:ext cx="1419300" cy="1419300"/>
-          </a:xfrm>
-          <a:prstGeom prst="blockArc">
-            <a:avLst>
-              <a:gd name="adj1" fmla="val 10800000"/>
-              <a:gd name="adj2" fmla="val 0"/>
-              <a:gd name="adj3" fmla="val 25000"/>
-            </a:avLst>
-          </a:prstGeom>
-          <a:gradFill>
-            <a:gsLst>
-              <a:gs pos="0">
-                <a:schemeClr val="accent1"/>
-              </a:gs>
-              <a:gs pos="100000">
-                <a:schemeClr val="accent4"/>
-              </a:gs>
-            </a:gsLst>
-            <a:lin ang="2698631" scaled="0"/>
-          </a:gradFill>
-          <a:ln>
-            <a:noFill/>
-          </a:ln>
-        </p:spPr>
-        <p:txBody>
-          <a:bodyPr spcFirstLastPara="1" wrap="square" lIns="91425" tIns="91425" rIns="91425" bIns="91425" anchor="ctr" anchorCtr="0">
-            <a:noAutofit/>
-          </a:bodyPr>
-          <a:lstStyle/>
-          <a:p>
-            <a:pPr marL="0" lvl="0" indent="0" algn="l" rtl="0">
-              <a:spcBef>
-                <a:spcPts val="0"/>
-              </a:spcBef>
-              <a:spcAft>
-                <a:spcPts val="0"/>
-              </a:spcAft>
-              <a:buNone/>
-            </a:pPr>
-            <a:endParaRPr/>
-          </a:p>
-        </p:txBody>
-      </p:sp>
-    </p:spTree>
-  </p:cSld>
-  <p:clrMapOvr>
-    <a:masterClrMapping/>
-  </p:clrMapOvr>
-</p:sldLayout>
-</file>
-
-<file path=ppt/slideLayouts/slideLayout8.xml><?xml version="1.0" encoding="utf-8"?>
 <p:sldLayout xmlns:a="http://schemas.openxmlformats.org/drawingml/2006/main" xmlns:r="http://schemas.openxmlformats.org/officeDocument/2006/relationships" xmlns:p="http://schemas.openxmlformats.org/presentationml/2006/main" matchingName="Title and text">
   <p:cSld name="MAIN_POINT_1">
     <p:bg>
@@ -9149,7 +8404,7 @@
 </p:sldLayout>
 </file>
 
-<file path=ppt/slideLayouts/slideLayout9.xml><?xml version="1.0" encoding="utf-8"?>
+<file path=ppt/slideLayouts/slideLayout8.xml><?xml version="1.0" encoding="utf-8"?>
 <p:sldLayout xmlns:a="http://schemas.openxmlformats.org/drawingml/2006/main" xmlns:r="http://schemas.openxmlformats.org/officeDocument/2006/relationships" xmlns:p="http://schemas.openxmlformats.org/presentationml/2006/main" matchingName="Title and four columns">
   <p:cSld name="BLANK_1_1_1_1">
     <p:bg>
@@ -10647,6 +9902,368 @@
 </p:sldLayout>
 </file>
 
+<file path=ppt/slideLayouts/slideLayout9.xml><?xml version="1.0" encoding="utf-8"?>
+<p:sldLayout xmlns:a="http://schemas.openxmlformats.org/drawingml/2006/main" xmlns:r="http://schemas.openxmlformats.org/officeDocument/2006/relationships" xmlns:p="http://schemas.openxmlformats.org/presentationml/2006/main" matchingName="Background">
+  <p:cSld name="BLANK_1_1_1_1_1_1_1">
+    <p:bg>
+      <p:bgPr>
+        <a:blipFill>
+          <a:blip r:embed="rId2">
+            <a:alphaModFix/>
+          </a:blip>
+          <a:stretch>
+            <a:fillRect/>
+          </a:stretch>
+        </a:blipFill>
+        <a:effectLst/>
+      </p:bgPr>
+    </p:bg>
+    <p:spTree>
+      <p:nvGrpSpPr>
+        <p:cNvPr id="1" name="Shape 319"/>
+        <p:cNvGrpSpPr/>
+        <p:nvPr/>
+      </p:nvGrpSpPr>
+      <p:grpSpPr>
+        <a:xfrm>
+          <a:off x="0" y="0"/>
+          <a:ext cx="0" cy="0"/>
+          <a:chOff x="0" y="0"/>
+          <a:chExt cx="0" cy="0"/>
+        </a:xfrm>
+      </p:grpSpPr>
+      <p:pic>
+        <p:nvPicPr>
+          <p:cNvPr id="320" name="Google Shape;320;p33"/>
+          <p:cNvPicPr preferRelativeResize="0"/>
+          <p:nvPr/>
+        </p:nvPicPr>
+        <p:blipFill>
+          <a:blip r:embed="rId3">
+            <a:alphaModFix amt="50000"/>
+          </a:blip>
+          <a:stretch>
+            <a:fillRect/>
+          </a:stretch>
+        </p:blipFill>
+        <p:spPr>
+          <a:xfrm rot="-1212016">
+            <a:off x="-431407" y="-809749"/>
+            <a:ext cx="5835592" cy="2362199"/>
+          </a:xfrm>
+          <a:prstGeom prst="rect">
+            <a:avLst/>
+          </a:prstGeom>
+          <a:noFill/>
+          <a:ln>
+            <a:noFill/>
+          </a:ln>
+        </p:spPr>
+      </p:pic>
+      <p:sp>
+        <p:nvSpPr>
+          <p:cNvPr id="321" name="Google Shape;321;p33"/>
+          <p:cNvSpPr/>
+          <p:nvPr/>
+        </p:nvSpPr>
+        <p:spPr>
+          <a:xfrm>
+            <a:off x="2735075" y="412500"/>
+            <a:ext cx="255000" cy="255000"/>
+          </a:xfrm>
+          <a:prstGeom prst="ellipse">
+            <a:avLst/>
+          </a:prstGeom>
+          <a:gradFill>
+            <a:gsLst>
+              <a:gs pos="0">
+                <a:schemeClr val="accent1"/>
+              </a:gs>
+              <a:gs pos="100000">
+                <a:schemeClr val="accent4"/>
+              </a:gs>
+            </a:gsLst>
+            <a:lin ang="2698631" scaled="0"/>
+          </a:gradFill>
+          <a:ln>
+            <a:noFill/>
+          </a:ln>
+        </p:spPr>
+        <p:txBody>
+          <a:bodyPr spcFirstLastPara="1" wrap="square" lIns="91425" tIns="91425" rIns="91425" bIns="91425" anchor="ctr" anchorCtr="0">
+            <a:noAutofit/>
+          </a:bodyPr>
+          <a:lstStyle/>
+          <a:p>
+            <a:pPr marL="0" lvl="0" indent="0" algn="l" rtl="0">
+              <a:spcBef>
+                <a:spcPts val="0"/>
+              </a:spcBef>
+              <a:spcAft>
+                <a:spcPts val="0"/>
+              </a:spcAft>
+              <a:buNone/>
+            </a:pPr>
+            <a:endParaRPr/>
+          </a:p>
+        </p:txBody>
+      </p:sp>
+      <p:sp>
+        <p:nvSpPr>
+          <p:cNvPr id="322" name="Google Shape;322;p33"/>
+          <p:cNvSpPr/>
+          <p:nvPr/>
+        </p:nvSpPr>
+        <p:spPr>
+          <a:xfrm>
+            <a:off x="6152325" y="4186400"/>
+            <a:ext cx="1943100" cy="1943100"/>
+          </a:xfrm>
+          <a:prstGeom prst="blockArc">
+            <a:avLst>
+              <a:gd name="adj1" fmla="val 10800000"/>
+              <a:gd name="adj2" fmla="val 0"/>
+              <a:gd name="adj3" fmla="val 25000"/>
+            </a:avLst>
+          </a:prstGeom>
+          <a:gradFill>
+            <a:gsLst>
+              <a:gs pos="0">
+                <a:schemeClr val="accent1"/>
+              </a:gs>
+              <a:gs pos="100000">
+                <a:schemeClr val="accent4"/>
+              </a:gs>
+            </a:gsLst>
+            <a:lin ang="2698631" scaled="0"/>
+          </a:gradFill>
+          <a:ln>
+            <a:noFill/>
+          </a:ln>
+        </p:spPr>
+        <p:txBody>
+          <a:bodyPr spcFirstLastPara="1" wrap="square" lIns="91425" tIns="91425" rIns="91425" bIns="91425" anchor="ctr" anchorCtr="0">
+            <a:noAutofit/>
+          </a:bodyPr>
+          <a:lstStyle/>
+          <a:p>
+            <a:pPr marL="0" lvl="0" indent="0" algn="l" rtl="0">
+              <a:spcBef>
+                <a:spcPts val="0"/>
+              </a:spcBef>
+              <a:spcAft>
+                <a:spcPts val="0"/>
+              </a:spcAft>
+              <a:buNone/>
+            </a:pPr>
+            <a:endParaRPr/>
+          </a:p>
+        </p:txBody>
+      </p:sp>
+      <p:sp>
+        <p:nvSpPr>
+          <p:cNvPr id="323" name="Google Shape;323;p33"/>
+          <p:cNvSpPr/>
+          <p:nvPr/>
+        </p:nvSpPr>
+        <p:spPr>
+          <a:xfrm>
+            <a:off x="7590675" y="4186475"/>
+            <a:ext cx="504900" cy="504600"/>
+          </a:xfrm>
+          <a:prstGeom prst="ellipse">
+            <a:avLst/>
+          </a:prstGeom>
+          <a:gradFill>
+            <a:gsLst>
+              <a:gs pos="0">
+                <a:schemeClr val="accent5"/>
+              </a:gs>
+              <a:gs pos="100000">
+                <a:schemeClr val="accent2"/>
+              </a:gs>
+            </a:gsLst>
+            <a:lin ang="5400700" scaled="0"/>
+          </a:gradFill>
+          <a:ln>
+            <a:noFill/>
+          </a:ln>
+        </p:spPr>
+        <p:txBody>
+          <a:bodyPr spcFirstLastPara="1" wrap="square" lIns="91425" tIns="91425" rIns="91425" bIns="91425" anchor="ctr" anchorCtr="0">
+            <a:noAutofit/>
+          </a:bodyPr>
+          <a:lstStyle/>
+          <a:p>
+            <a:pPr marL="0" lvl="0" indent="0" algn="l" rtl="0">
+              <a:spcBef>
+                <a:spcPts val="0"/>
+              </a:spcBef>
+              <a:spcAft>
+                <a:spcPts val="0"/>
+              </a:spcAft>
+              <a:buNone/>
+            </a:pPr>
+            <a:endParaRPr/>
+          </a:p>
+        </p:txBody>
+      </p:sp>
+      <p:sp>
+        <p:nvSpPr>
+          <p:cNvPr id="324" name="Google Shape;324;p33"/>
+          <p:cNvSpPr/>
+          <p:nvPr/>
+        </p:nvSpPr>
+        <p:spPr>
+          <a:xfrm>
+            <a:off x="-133950" y="1029132"/>
+            <a:ext cx="276000" cy="275700"/>
+          </a:xfrm>
+          <a:prstGeom prst="ellipse">
+            <a:avLst/>
+          </a:prstGeom>
+          <a:gradFill>
+            <a:gsLst>
+              <a:gs pos="0">
+                <a:schemeClr val="accent5"/>
+              </a:gs>
+              <a:gs pos="100000">
+                <a:schemeClr val="accent2"/>
+              </a:gs>
+            </a:gsLst>
+            <a:lin ang="5400700" scaled="0"/>
+          </a:gradFill>
+          <a:ln>
+            <a:noFill/>
+          </a:ln>
+        </p:spPr>
+        <p:txBody>
+          <a:bodyPr spcFirstLastPara="1" wrap="square" lIns="91425" tIns="91425" rIns="91425" bIns="91425" anchor="ctr" anchorCtr="0">
+            <a:noAutofit/>
+          </a:bodyPr>
+          <a:lstStyle/>
+          <a:p>
+            <a:pPr marL="0" lvl="0" indent="0" algn="l" rtl="0">
+              <a:spcBef>
+                <a:spcPts val="0"/>
+              </a:spcBef>
+              <a:spcAft>
+                <a:spcPts val="0"/>
+              </a:spcAft>
+              <a:buNone/>
+            </a:pPr>
+            <a:endParaRPr/>
+          </a:p>
+        </p:txBody>
+      </p:sp>
+      <p:sp>
+        <p:nvSpPr>
+          <p:cNvPr id="325" name="Google Shape;325;p33"/>
+          <p:cNvSpPr/>
+          <p:nvPr/>
+        </p:nvSpPr>
+        <p:spPr>
+          <a:xfrm rot="10800000">
+            <a:off x="4381425" y="-709525"/>
+            <a:ext cx="1419300" cy="1419300"/>
+          </a:xfrm>
+          <a:prstGeom prst="blockArc">
+            <a:avLst>
+              <a:gd name="adj1" fmla="val 10800000"/>
+              <a:gd name="adj2" fmla="val 0"/>
+              <a:gd name="adj3" fmla="val 25000"/>
+            </a:avLst>
+          </a:prstGeom>
+          <a:gradFill>
+            <a:gsLst>
+              <a:gs pos="0">
+                <a:schemeClr val="accent1"/>
+              </a:gs>
+              <a:gs pos="100000">
+                <a:schemeClr val="accent4"/>
+              </a:gs>
+            </a:gsLst>
+            <a:lin ang="2698631" scaled="0"/>
+          </a:gradFill>
+          <a:ln>
+            <a:noFill/>
+          </a:ln>
+        </p:spPr>
+        <p:txBody>
+          <a:bodyPr spcFirstLastPara="1" wrap="square" lIns="91425" tIns="91425" rIns="91425" bIns="91425" anchor="ctr" anchorCtr="0">
+            <a:noAutofit/>
+          </a:bodyPr>
+          <a:lstStyle/>
+          <a:p>
+            <a:pPr marL="0" lvl="0" indent="0" algn="l" rtl="0">
+              <a:spcBef>
+                <a:spcPts val="0"/>
+              </a:spcBef>
+              <a:spcAft>
+                <a:spcPts val="0"/>
+              </a:spcAft>
+              <a:buNone/>
+            </a:pPr>
+            <a:endParaRPr/>
+          </a:p>
+        </p:txBody>
+      </p:sp>
+      <p:sp>
+        <p:nvSpPr>
+          <p:cNvPr id="326" name="Google Shape;326;p33"/>
+          <p:cNvSpPr/>
+          <p:nvPr/>
+        </p:nvSpPr>
+        <p:spPr>
+          <a:xfrm>
+            <a:off x="6009675" y="5020107"/>
+            <a:ext cx="276000" cy="275700"/>
+          </a:xfrm>
+          <a:prstGeom prst="ellipse">
+            <a:avLst/>
+          </a:prstGeom>
+          <a:gradFill>
+            <a:gsLst>
+              <a:gs pos="0">
+                <a:schemeClr val="accent5"/>
+              </a:gs>
+              <a:gs pos="100000">
+                <a:schemeClr val="accent2"/>
+              </a:gs>
+            </a:gsLst>
+            <a:lin ang="5400700" scaled="0"/>
+          </a:gradFill>
+          <a:ln>
+            <a:noFill/>
+          </a:ln>
+        </p:spPr>
+        <p:txBody>
+          <a:bodyPr spcFirstLastPara="1" wrap="square" lIns="91425" tIns="91425" rIns="91425" bIns="91425" anchor="ctr" anchorCtr="0">
+            <a:noAutofit/>
+          </a:bodyPr>
+          <a:lstStyle/>
+          <a:p>
+            <a:pPr marL="0" lvl="0" indent="0" algn="l" rtl="0">
+              <a:spcBef>
+                <a:spcPts val="0"/>
+              </a:spcBef>
+              <a:spcAft>
+                <a:spcPts val="0"/>
+              </a:spcAft>
+              <a:buNone/>
+            </a:pPr>
+            <a:endParaRPr/>
+          </a:p>
+        </p:txBody>
+      </p:sp>
+    </p:spTree>
+  </p:cSld>
+  <p:clrMapOvr>
+    <a:masterClrMapping/>
+  </p:clrMapOvr>
+</p:sldLayout>
+</file>
+
 <file path=ppt/slideMasters/slideMaster1.xml><?xml version="1.0" encoding="utf-8"?>
 <p:sldMaster xmlns:a="http://schemas.openxmlformats.org/drawingml/2006/main" xmlns:r="http://schemas.openxmlformats.org/officeDocument/2006/relationships" xmlns:p="http://schemas.openxmlformats.org/presentationml/2006/main">
   <p:cSld name="simple-light-2">
@@ -11189,11 +10806,10 @@
     <p:sldLayoutId id="2147483653" r:id="rId4"/>
     <p:sldLayoutId id="2147483661" r:id="rId5"/>
     <p:sldLayoutId id="2147483662" r:id="rId6"/>
-    <p:sldLayoutId id="2147483667" r:id="rId7"/>
-    <p:sldLayoutId id="2147483671" r:id="rId8"/>
-    <p:sldLayoutId id="2147483674" r:id="rId9"/>
-    <p:sldLayoutId id="2147483679" r:id="rId10"/>
-    <p:sldLayoutId id="2147483680" r:id="rId11"/>
+    <p:sldLayoutId id="2147483671" r:id="rId7"/>
+    <p:sldLayoutId id="2147483674" r:id="rId8"/>
+    <p:sldLayoutId id="2147483679" r:id="rId9"/>
+    <p:sldLayoutId id="2147483680" r:id="rId10"/>
   </p:sldLayoutIdLst>
   <p:hf hdr="0" ftr="0" dt="0"/>
   <p:txStyles>
@@ -12424,7 +12040,7 @@
   <p:cSld>
     <p:spTree>
       <p:nvGrpSpPr>
-        <p:cNvPr id="1" name="Shape 700"/>
+        <p:cNvPr id="1" name=""/>
         <p:cNvGrpSpPr/>
         <p:nvPr/>
       </p:nvGrpSpPr>
@@ -12438,8 +12054,14 @@
       </p:grpSpPr>
       <p:sp>
         <p:nvSpPr>
-          <p:cNvPr id="701" name="Google Shape;701;p59"/>
-          <p:cNvSpPr txBox="1">
+          <p:cNvPr id="2" name="Title 1">
+            <a:extLst>
+              <a:ext uri="{FF2B5EF4-FFF2-40B4-BE49-F238E27FC236}">
+                <a16:creationId xmlns:a16="http://schemas.microsoft.com/office/drawing/2014/main" id="{7ED3068F-E13D-3D3B-7044-06141E2F8CD0}"/>
+              </a:ext>
+            </a:extLst>
+          </p:cNvPr>
+          <p:cNvSpPr>
             <a:spLocks noGrp="1"/>
           </p:cNvSpPr>
           <p:nvPr>
@@ -12448,66 +12070,67 @@
         </p:nvSpPr>
         <p:spPr>
           <a:xfrm>
-            <a:off x="4714072" y="2189819"/>
-            <a:ext cx="4429928" cy="524400"/>
+            <a:off x="720000" y="813100"/>
+            <a:ext cx="7704000" cy="329100"/>
+          </a:xfrm>
+        </p:spPr>
+        <p:txBody>
+          <a:bodyPr/>
+          <a:lstStyle/>
+          <a:p>
+            <a:r>
+              <a:rPr lang="en-IN" dirty="0"/>
+              <a:t>SCHEMATIC DIAGRAM</a:t>
+            </a:r>
+          </a:p>
+        </p:txBody>
+      </p:sp>
+      <p:pic>
+        <p:nvPicPr>
+          <p:cNvPr id="5" name="Picture 4">
+            <a:extLst>
+              <a:ext uri="{FF2B5EF4-FFF2-40B4-BE49-F238E27FC236}">
+                <a16:creationId xmlns:a16="http://schemas.microsoft.com/office/drawing/2014/main" id="{A2F9AB76-7787-1B29-9A80-25F3BCD45F78}"/>
+              </a:ext>
+            </a:extLst>
+          </p:cNvPr>
+          <p:cNvPicPr>
+            <a:picLocks noChangeAspect="1"/>
+          </p:cNvPicPr>
+          <p:nvPr/>
+        </p:nvPicPr>
+        <p:blipFill>
+          <a:blip r:embed="rId2"/>
+          <a:stretch>
+            <a:fillRect/>
+          </a:stretch>
+        </p:blipFill>
+        <p:spPr>
+          <a:xfrm>
+            <a:off x="1625795" y="1461174"/>
+            <a:ext cx="5892410" cy="3327802"/>
           </a:xfrm>
           <a:prstGeom prst="rect">
             <a:avLst/>
           </a:prstGeom>
+          <a:ln>
+            <a:noFill/>
+          </a:ln>
+          <a:effectLst>
+            <a:outerShdw blurRad="190500" algn="tl" rotWithShape="0">
+              <a:srgbClr val="000000">
+                <a:alpha val="70000"/>
+              </a:srgbClr>
+            </a:outerShdw>
+          </a:effectLst>
         </p:spPr>
-        <p:txBody>
-          <a:bodyPr spcFirstLastPara="1" wrap="square" lIns="91425" tIns="91425" rIns="91425" bIns="91425" anchor="ctr" anchorCtr="0">
-            <a:noAutofit/>
-          </a:bodyPr>
-          <a:lstStyle/>
-          <a:p>
-            <a:pPr marL="0" lvl="0" indent="0" algn="l" rtl="0">
-              <a:spcBef>
-                <a:spcPts val="0"/>
-              </a:spcBef>
-              <a:spcAft>
-                <a:spcPts val="0"/>
-              </a:spcAft>
-              <a:buNone/>
-            </a:pPr>
-            <a:r>
-              <a:rPr lang="en" dirty="0"/>
-              <a:t>SCHEMATIC DIAGRAM</a:t>
-            </a:r>
-            <a:endParaRPr dirty="0"/>
-          </a:p>
-        </p:txBody>
-      </p:sp>
-      <p:cxnSp>
-        <p:nvCxnSpPr>
-          <p:cNvPr id="703" name="Google Shape;703;p59"/>
-          <p:cNvCxnSpPr>
-            <a:cxnSpLocks/>
-            <a:stCxn id="701" idx="1"/>
-          </p:cNvCxnSpPr>
-          <p:nvPr/>
-        </p:nvCxnSpPr>
-        <p:spPr>
-          <a:xfrm flipH="1">
-            <a:off x="3283972" y="2452019"/>
-            <a:ext cx="1430100" cy="0"/>
-          </a:xfrm>
-          <a:prstGeom prst="straightConnector1">
-            <a:avLst/>
-          </a:prstGeom>
-          <a:noFill/>
-          <a:ln w="19050" cap="flat" cmpd="sng">
-            <a:solidFill>
-              <a:schemeClr val="accent5"/>
-            </a:solidFill>
-            <a:prstDash val="solid"/>
-            <a:round/>
-            <a:headEnd type="oval" w="med" len="med"/>
-            <a:tailEnd type="none" w="med" len="med"/>
-          </a:ln>
-        </p:spPr>
-      </p:cxnSp>
+      </p:pic>
     </p:spTree>
+    <p:extLst>
+      <p:ext uri="{BB962C8B-B14F-4D97-AF65-F5344CB8AC3E}">
+        <p14:creationId xmlns:p14="http://schemas.microsoft.com/office/powerpoint/2010/main" val="733727945"/>
+      </p:ext>
+    </p:extLst>
   </p:cSld>
   <p:clrMapOvr>
     <a:masterClrMapping/>
@@ -13036,6 +12659,1027 @@
     <p:extLst>
       <p:ext uri="{BB962C8B-B14F-4D97-AF65-F5344CB8AC3E}">
         <p14:creationId xmlns:p14="http://schemas.microsoft.com/office/powerpoint/2010/main" val="3768849230"/>
+      </p:ext>
+    </p:extLst>
+  </p:cSld>
+  <p:clrMapOvr>
+    <a:masterClrMapping/>
+  </p:clrMapOvr>
+</p:sld>
+</file>
+
+<file path=ppt/slides/slide14.xml><?xml version="1.0" encoding="utf-8"?>
+<p:sld xmlns:a="http://schemas.openxmlformats.org/drawingml/2006/main" xmlns:r="http://schemas.openxmlformats.org/officeDocument/2006/relationships" xmlns:p="http://schemas.openxmlformats.org/presentationml/2006/main">
+  <p:cSld>
+    <p:spTree>
+      <p:nvGrpSpPr>
+        <p:cNvPr id="1" name="Shape 427"/>
+        <p:cNvGrpSpPr/>
+        <p:nvPr/>
+      </p:nvGrpSpPr>
+      <p:grpSpPr>
+        <a:xfrm>
+          <a:off x="0" y="0"/>
+          <a:ext cx="0" cy="0"/>
+          <a:chOff x="0" y="0"/>
+          <a:chExt cx="0" cy="0"/>
+        </a:xfrm>
+      </p:grpSpPr>
+      <p:sp>
+        <p:nvSpPr>
+          <p:cNvPr id="432" name="Google Shape;432;p45"/>
+          <p:cNvSpPr txBox="1">
+            <a:spLocks noGrp="1"/>
+          </p:cNvSpPr>
+          <p:nvPr>
+            <p:ph type="title"/>
+          </p:nvPr>
+        </p:nvSpPr>
+        <p:spPr>
+          <a:xfrm>
+            <a:off x="720000" y="595950"/>
+            <a:ext cx="7704000" cy="328200"/>
+          </a:xfrm>
+          <a:prstGeom prst="rect">
+            <a:avLst/>
+          </a:prstGeom>
+        </p:spPr>
+        <p:txBody>
+          <a:bodyPr spcFirstLastPara="1" wrap="square" lIns="91425" tIns="91425" rIns="91425" bIns="91425" anchor="ctr" anchorCtr="0">
+            <a:noAutofit/>
+          </a:bodyPr>
+          <a:lstStyle/>
+          <a:p>
+            <a:pPr marL="0" lvl="0" indent="0" algn="ctr" rtl="0">
+              <a:spcBef>
+                <a:spcPts val="0"/>
+              </a:spcBef>
+              <a:spcAft>
+                <a:spcPts val="0"/>
+              </a:spcAft>
+              <a:buNone/>
+            </a:pPr>
+            <a:r>
+              <a:rPr lang="en" dirty="0"/>
+              <a:t>RESULTS</a:t>
+            </a:r>
+            <a:endParaRPr dirty="0"/>
+          </a:p>
+        </p:txBody>
+      </p:sp>
+      <p:cxnSp>
+        <p:nvCxnSpPr>
+          <p:cNvPr id="433" name="Google Shape;433;p45"/>
+          <p:cNvCxnSpPr/>
+          <p:nvPr/>
+        </p:nvCxnSpPr>
+        <p:spPr>
+          <a:xfrm>
+            <a:off x="2689050" y="1059050"/>
+            <a:ext cx="3765900" cy="0"/>
+          </a:xfrm>
+          <a:prstGeom prst="straightConnector1">
+            <a:avLst/>
+          </a:prstGeom>
+          <a:noFill/>
+          <a:ln w="19050" cap="flat" cmpd="sng">
+            <a:solidFill>
+              <a:schemeClr val="accent5"/>
+            </a:solidFill>
+            <a:prstDash val="solid"/>
+            <a:round/>
+            <a:headEnd type="oval" w="med" len="med"/>
+            <a:tailEnd type="oval" w="med" len="med"/>
+          </a:ln>
+        </p:spPr>
+      </p:cxnSp>
+      <p:sp>
+        <p:nvSpPr>
+          <p:cNvPr id="434" name="Google Shape;434;p45"/>
+          <p:cNvSpPr/>
+          <p:nvPr/>
+        </p:nvSpPr>
+        <p:spPr>
+          <a:xfrm rot="-3677180" flipH="1">
+            <a:off x="-88264" y="2701762"/>
+            <a:ext cx="186082" cy="186082"/>
+          </a:xfrm>
+          <a:prstGeom prst="ellipse">
+            <a:avLst/>
+          </a:prstGeom>
+          <a:gradFill>
+            <a:gsLst>
+              <a:gs pos="0">
+                <a:schemeClr val="accent5"/>
+              </a:gs>
+              <a:gs pos="100000">
+                <a:schemeClr val="accent2"/>
+              </a:gs>
+            </a:gsLst>
+            <a:lin ang="5400012" scaled="0"/>
+          </a:gradFill>
+          <a:ln>
+            <a:noFill/>
+          </a:ln>
+        </p:spPr>
+        <p:txBody>
+          <a:bodyPr spcFirstLastPara="1" wrap="square" lIns="91425" tIns="91425" rIns="91425" bIns="91425" anchor="ctr" anchorCtr="0">
+            <a:noAutofit/>
+          </a:bodyPr>
+          <a:lstStyle/>
+          <a:p>
+            <a:pPr marL="0" lvl="0" indent="0" algn="l" rtl="0">
+              <a:spcBef>
+                <a:spcPts val="0"/>
+              </a:spcBef>
+              <a:spcAft>
+                <a:spcPts val="0"/>
+              </a:spcAft>
+              <a:buNone/>
+            </a:pPr>
+            <a:endParaRPr/>
+          </a:p>
+        </p:txBody>
+      </p:sp>
+      <p:pic>
+        <p:nvPicPr>
+          <p:cNvPr id="1026" name="Picture 2">
+            <a:extLst>
+              <a:ext uri="{FF2B5EF4-FFF2-40B4-BE49-F238E27FC236}">
+                <a16:creationId xmlns:a16="http://schemas.microsoft.com/office/drawing/2014/main" id="{7F83A0F2-1C94-69CE-1221-1BCB825B827D}"/>
+              </a:ext>
+            </a:extLst>
+          </p:cNvPr>
+          <p:cNvPicPr>
+            <a:picLocks noChangeAspect="1" noChangeArrowheads="1"/>
+          </p:cNvPicPr>
+          <p:nvPr/>
+        </p:nvPicPr>
+        <p:blipFill>
+          <a:blip r:embed="rId3">
+            <a:extLst>
+              <a:ext uri="{28A0092B-C50C-407E-A947-70E740481C1C}">
+                <a14:useLocalDpi xmlns:a14="http://schemas.microsoft.com/office/drawing/2010/main" val="0"/>
+              </a:ext>
+            </a:extLst>
+          </a:blip>
+          <a:srcRect/>
+          <a:stretch>
+            <a:fillRect/>
+          </a:stretch>
+        </p:blipFill>
+        <p:spPr bwMode="auto">
+          <a:xfrm>
+            <a:off x="1133975" y="1515696"/>
+            <a:ext cx="6876050" cy="2704462"/>
+          </a:xfrm>
+          <a:prstGeom prst="roundRect">
+            <a:avLst>
+              <a:gd name="adj" fmla="val 8594"/>
+            </a:avLst>
+          </a:prstGeom>
+          <a:solidFill>
+            <a:srgbClr val="FFFFFF">
+              <a:shade val="85000"/>
+            </a:srgbClr>
+          </a:solidFill>
+          <a:ln>
+            <a:noFill/>
+          </a:ln>
+          <a:effectLst>
+            <a:reflection blurRad="12700" stA="38000" endPos="28000" dist="5000" dir="5400000" sy="-100000" algn="bl" rotWithShape="0"/>
+          </a:effectLst>
+          <a:extLst>
+            <a:ext uri="{909E8E84-426E-40DD-AFC4-6F175D3DCCD1}">
+              <a14:hiddenFill xmlns:a14="http://schemas.microsoft.com/office/drawing/2010/main">
+                <a:solidFill>
+                  <a:srgbClr val="FFFFFF"/>
+                </a:solidFill>
+              </a14:hiddenFill>
+            </a:ext>
+          </a:extLst>
+        </p:spPr>
+      </p:pic>
+      <p:sp>
+        <p:nvSpPr>
+          <p:cNvPr id="2" name="TextBox 1">
+            <a:extLst>
+              <a:ext uri="{FF2B5EF4-FFF2-40B4-BE49-F238E27FC236}">
+                <a16:creationId xmlns:a16="http://schemas.microsoft.com/office/drawing/2014/main" id="{311E6B0A-47EB-B954-6942-E5BB617418BE}"/>
+              </a:ext>
+            </a:extLst>
+          </p:cNvPr>
+          <p:cNvSpPr txBox="1"/>
+          <p:nvPr/>
+        </p:nvSpPr>
+        <p:spPr>
+          <a:xfrm>
+            <a:off x="2689050" y="4462572"/>
+            <a:ext cx="3997233" cy="877163"/>
+          </a:xfrm>
+          <a:prstGeom prst="rect">
+            <a:avLst/>
+          </a:prstGeom>
+          <a:noFill/>
+        </p:spPr>
+        <p:txBody>
+          <a:bodyPr wrap="square" rtlCol="0">
+            <a:spAutoFit/>
+          </a:bodyPr>
+          <a:lstStyle/>
+          <a:p>
+            <a:pPr algn="just" rtl="0" fontAlgn="base">
+              <a:spcBef>
+                <a:spcPts val="0"/>
+              </a:spcBef>
+              <a:spcAft>
+                <a:spcPts val="600"/>
+              </a:spcAft>
+            </a:pPr>
+            <a:r>
+              <a:rPr lang="en-US" sz="1800" b="0" i="0" u="none" strike="noStrike" dirty="0">
+                <a:solidFill>
+                  <a:schemeClr val="bg1"/>
+                </a:solidFill>
+                <a:effectLst/>
+                <a:latin typeface="Montserrat ExtraBold" panose="00000900000000000000" pitchFamily="2" charset="0"/>
+              </a:rPr>
+              <a:t>Fig: Text Preprocessing Tasks</a:t>
+            </a:r>
+          </a:p>
+          <a:p>
+            <a:br>
+              <a:rPr lang="en-US" dirty="0"/>
+            </a:br>
+            <a:endParaRPr lang="en-US" dirty="0"/>
+          </a:p>
+        </p:txBody>
+      </p:sp>
+    </p:spTree>
+    <p:extLst>
+      <p:ext uri="{BB962C8B-B14F-4D97-AF65-F5344CB8AC3E}">
+        <p14:creationId xmlns:p14="http://schemas.microsoft.com/office/powerpoint/2010/main" val="3055423051"/>
+      </p:ext>
+    </p:extLst>
+  </p:cSld>
+  <p:clrMapOvr>
+    <a:masterClrMapping/>
+  </p:clrMapOvr>
+</p:sld>
+</file>
+
+<file path=ppt/slides/slide15.xml><?xml version="1.0" encoding="utf-8"?>
+<p:sld xmlns:a="http://schemas.openxmlformats.org/drawingml/2006/main" xmlns:r="http://schemas.openxmlformats.org/officeDocument/2006/relationships" xmlns:p="http://schemas.openxmlformats.org/presentationml/2006/main">
+  <p:cSld>
+    <p:spTree>
+      <p:nvGrpSpPr>
+        <p:cNvPr id="1" name="Shape 427"/>
+        <p:cNvGrpSpPr/>
+        <p:nvPr/>
+      </p:nvGrpSpPr>
+      <p:grpSpPr>
+        <a:xfrm>
+          <a:off x="0" y="0"/>
+          <a:ext cx="0" cy="0"/>
+          <a:chOff x="0" y="0"/>
+          <a:chExt cx="0" cy="0"/>
+        </a:xfrm>
+      </p:grpSpPr>
+      <p:sp>
+        <p:nvSpPr>
+          <p:cNvPr id="432" name="Google Shape;432;p45"/>
+          <p:cNvSpPr txBox="1">
+            <a:spLocks noGrp="1"/>
+          </p:cNvSpPr>
+          <p:nvPr>
+            <p:ph type="title"/>
+          </p:nvPr>
+        </p:nvSpPr>
+        <p:spPr>
+          <a:xfrm>
+            <a:off x="720000" y="595950"/>
+            <a:ext cx="7704000" cy="328200"/>
+          </a:xfrm>
+          <a:prstGeom prst="rect">
+            <a:avLst/>
+          </a:prstGeom>
+        </p:spPr>
+        <p:txBody>
+          <a:bodyPr spcFirstLastPara="1" wrap="square" lIns="91425" tIns="91425" rIns="91425" bIns="91425" anchor="ctr" anchorCtr="0">
+            <a:noAutofit/>
+          </a:bodyPr>
+          <a:lstStyle/>
+          <a:p>
+            <a:pPr marL="0" lvl="0" indent="0" algn="ctr" rtl="0">
+              <a:spcBef>
+                <a:spcPts val="0"/>
+              </a:spcBef>
+              <a:spcAft>
+                <a:spcPts val="0"/>
+              </a:spcAft>
+              <a:buNone/>
+            </a:pPr>
+            <a:r>
+              <a:rPr lang="en" dirty="0"/>
+              <a:t>RESULTS</a:t>
+            </a:r>
+            <a:endParaRPr dirty="0"/>
+          </a:p>
+        </p:txBody>
+      </p:sp>
+      <p:cxnSp>
+        <p:nvCxnSpPr>
+          <p:cNvPr id="433" name="Google Shape;433;p45"/>
+          <p:cNvCxnSpPr/>
+          <p:nvPr/>
+        </p:nvCxnSpPr>
+        <p:spPr>
+          <a:xfrm>
+            <a:off x="2689050" y="1059050"/>
+            <a:ext cx="3765900" cy="0"/>
+          </a:xfrm>
+          <a:prstGeom prst="straightConnector1">
+            <a:avLst/>
+          </a:prstGeom>
+          <a:noFill/>
+          <a:ln w="19050" cap="flat" cmpd="sng">
+            <a:solidFill>
+              <a:schemeClr val="accent5"/>
+            </a:solidFill>
+            <a:prstDash val="solid"/>
+            <a:round/>
+            <a:headEnd type="oval" w="med" len="med"/>
+            <a:tailEnd type="oval" w="med" len="med"/>
+          </a:ln>
+        </p:spPr>
+      </p:cxnSp>
+      <p:sp>
+        <p:nvSpPr>
+          <p:cNvPr id="434" name="Google Shape;434;p45"/>
+          <p:cNvSpPr/>
+          <p:nvPr/>
+        </p:nvSpPr>
+        <p:spPr>
+          <a:xfrm rot="-3677180" flipH="1">
+            <a:off x="-88264" y="2701762"/>
+            <a:ext cx="186082" cy="186082"/>
+          </a:xfrm>
+          <a:prstGeom prst="ellipse">
+            <a:avLst/>
+          </a:prstGeom>
+          <a:gradFill>
+            <a:gsLst>
+              <a:gs pos="0">
+                <a:schemeClr val="accent5"/>
+              </a:gs>
+              <a:gs pos="100000">
+                <a:schemeClr val="accent2"/>
+              </a:gs>
+            </a:gsLst>
+            <a:lin ang="5400012" scaled="0"/>
+          </a:gradFill>
+          <a:ln>
+            <a:noFill/>
+          </a:ln>
+        </p:spPr>
+        <p:txBody>
+          <a:bodyPr spcFirstLastPara="1" wrap="square" lIns="91425" tIns="91425" rIns="91425" bIns="91425" anchor="ctr" anchorCtr="0">
+            <a:noAutofit/>
+          </a:bodyPr>
+          <a:lstStyle/>
+          <a:p>
+            <a:pPr marL="0" lvl="0" indent="0" algn="l" rtl="0">
+              <a:spcBef>
+                <a:spcPts val="0"/>
+              </a:spcBef>
+              <a:spcAft>
+                <a:spcPts val="0"/>
+              </a:spcAft>
+              <a:buNone/>
+            </a:pPr>
+            <a:endParaRPr/>
+          </a:p>
+        </p:txBody>
+      </p:sp>
+      <p:sp>
+        <p:nvSpPr>
+          <p:cNvPr id="2" name="TextBox 1">
+            <a:extLst>
+              <a:ext uri="{FF2B5EF4-FFF2-40B4-BE49-F238E27FC236}">
+                <a16:creationId xmlns:a16="http://schemas.microsoft.com/office/drawing/2014/main" id="{311E6B0A-47EB-B954-6942-E5BB617418BE}"/>
+              </a:ext>
+            </a:extLst>
+          </p:cNvPr>
+          <p:cNvSpPr txBox="1"/>
+          <p:nvPr/>
+        </p:nvSpPr>
+        <p:spPr>
+          <a:xfrm>
+            <a:off x="3122737" y="4504373"/>
+            <a:ext cx="3178785" cy="369332"/>
+          </a:xfrm>
+          <a:prstGeom prst="rect">
+            <a:avLst/>
+          </a:prstGeom>
+          <a:noFill/>
+        </p:spPr>
+        <p:txBody>
+          <a:bodyPr wrap="square" rtlCol="0">
+            <a:spAutoFit/>
+          </a:bodyPr>
+          <a:lstStyle/>
+          <a:p>
+            <a:pPr algn="just" rtl="0" fontAlgn="base">
+              <a:spcBef>
+                <a:spcPts val="0"/>
+              </a:spcBef>
+              <a:spcAft>
+                <a:spcPts val="600"/>
+              </a:spcAft>
+            </a:pPr>
+            <a:r>
+              <a:rPr lang="en-US" sz="1800" b="0" i="0" u="none" strike="noStrike" dirty="0">
+                <a:solidFill>
+                  <a:schemeClr val="bg1"/>
+                </a:solidFill>
+                <a:effectLst/>
+                <a:latin typeface="Montserrat ExtraBold" panose="00000900000000000000" pitchFamily="2" charset="0"/>
+              </a:rPr>
+              <a:t>Fig: Text Summarization</a:t>
+            </a:r>
+          </a:p>
+        </p:txBody>
+      </p:sp>
+      <p:pic>
+        <p:nvPicPr>
+          <p:cNvPr id="2050" name="Picture 2">
+            <a:extLst>
+              <a:ext uri="{FF2B5EF4-FFF2-40B4-BE49-F238E27FC236}">
+                <a16:creationId xmlns:a16="http://schemas.microsoft.com/office/drawing/2014/main" id="{1DF58B83-D4A3-47F2-801D-647BF3A19B20}"/>
+              </a:ext>
+            </a:extLst>
+          </p:cNvPr>
+          <p:cNvPicPr>
+            <a:picLocks noChangeAspect="1" noChangeArrowheads="1"/>
+          </p:cNvPicPr>
+          <p:nvPr/>
+        </p:nvPicPr>
+        <p:blipFill>
+          <a:blip r:embed="rId3">
+            <a:extLst>
+              <a:ext uri="{28A0092B-C50C-407E-A947-70E740481C1C}">
+                <a14:useLocalDpi xmlns:a14="http://schemas.microsoft.com/office/drawing/2010/main" val="0"/>
+              </a:ext>
+            </a:extLst>
+          </a:blip>
+          <a:srcRect/>
+          <a:stretch>
+            <a:fillRect/>
+          </a:stretch>
+        </p:blipFill>
+        <p:spPr bwMode="auto">
+          <a:xfrm>
+            <a:off x="1356552" y="1334676"/>
+            <a:ext cx="6430895" cy="2992995"/>
+          </a:xfrm>
+          <a:prstGeom prst="roundRect">
+            <a:avLst>
+              <a:gd name="adj" fmla="val 8594"/>
+            </a:avLst>
+          </a:prstGeom>
+          <a:solidFill>
+            <a:srgbClr val="FFFFFF">
+              <a:shade val="85000"/>
+            </a:srgbClr>
+          </a:solidFill>
+          <a:ln>
+            <a:noFill/>
+          </a:ln>
+          <a:effectLst>
+            <a:reflection blurRad="12700" stA="38000" endPos="28000" dist="5000" dir="5400000" sy="-100000" algn="bl" rotWithShape="0"/>
+          </a:effectLst>
+          <a:extLst>
+            <a:ext uri="{909E8E84-426E-40DD-AFC4-6F175D3DCCD1}">
+              <a14:hiddenFill xmlns:a14="http://schemas.microsoft.com/office/drawing/2010/main">
+                <a:solidFill>
+                  <a:srgbClr val="FFFFFF"/>
+                </a:solidFill>
+              </a14:hiddenFill>
+            </a:ext>
+          </a:extLst>
+        </p:spPr>
+      </p:pic>
+    </p:spTree>
+    <p:extLst>
+      <p:ext uri="{BB962C8B-B14F-4D97-AF65-F5344CB8AC3E}">
+        <p14:creationId xmlns:p14="http://schemas.microsoft.com/office/powerpoint/2010/main" val="3004644556"/>
+      </p:ext>
+    </p:extLst>
+  </p:cSld>
+  <p:clrMapOvr>
+    <a:masterClrMapping/>
+  </p:clrMapOvr>
+</p:sld>
+</file>
+
+<file path=ppt/slides/slide16.xml><?xml version="1.0" encoding="utf-8"?>
+<p:sld xmlns:a="http://schemas.openxmlformats.org/drawingml/2006/main" xmlns:r="http://schemas.openxmlformats.org/officeDocument/2006/relationships" xmlns:p="http://schemas.openxmlformats.org/presentationml/2006/main">
+  <p:cSld>
+    <p:spTree>
+      <p:nvGrpSpPr>
+        <p:cNvPr id="1" name=""/>
+        <p:cNvGrpSpPr/>
+        <p:nvPr/>
+      </p:nvGrpSpPr>
+      <p:grpSpPr>
+        <a:xfrm>
+          <a:off x="0" y="0"/>
+          <a:ext cx="0" cy="0"/>
+          <a:chOff x="0" y="0"/>
+          <a:chExt cx="0" cy="0"/>
+        </a:xfrm>
+      </p:grpSpPr>
+      <p:sp>
+        <p:nvSpPr>
+          <p:cNvPr id="2" name="Title 1">
+            <a:extLst>
+              <a:ext uri="{FF2B5EF4-FFF2-40B4-BE49-F238E27FC236}">
+                <a16:creationId xmlns:a16="http://schemas.microsoft.com/office/drawing/2014/main" id="{7ED3068F-E13D-3D3B-7044-06141E2F8CD0}"/>
+              </a:ext>
+            </a:extLst>
+          </p:cNvPr>
+          <p:cNvSpPr>
+            <a:spLocks noGrp="1"/>
+          </p:cNvSpPr>
+          <p:nvPr>
+            <p:ph type="title"/>
+          </p:nvPr>
+        </p:nvSpPr>
+        <p:spPr>
+          <a:xfrm>
+            <a:off x="720000" y="813100"/>
+            <a:ext cx="7704000" cy="329100"/>
+          </a:xfrm>
+        </p:spPr>
+        <p:txBody>
+          <a:bodyPr/>
+          <a:lstStyle/>
+          <a:p>
+            <a:r>
+              <a:rPr lang="en-IN" dirty="0"/>
+              <a:t>CONCLUSION</a:t>
+            </a:r>
+          </a:p>
+        </p:txBody>
+      </p:sp>
+      <p:sp>
+        <p:nvSpPr>
+          <p:cNvPr id="4" name="TextBox 3">
+            <a:extLst>
+              <a:ext uri="{FF2B5EF4-FFF2-40B4-BE49-F238E27FC236}">
+                <a16:creationId xmlns:a16="http://schemas.microsoft.com/office/drawing/2014/main" id="{635ED73B-F2D3-A05C-7A97-52A3592EFE5F}"/>
+              </a:ext>
+            </a:extLst>
+          </p:cNvPr>
+          <p:cNvSpPr txBox="1"/>
+          <p:nvPr/>
+        </p:nvSpPr>
+        <p:spPr>
+          <a:xfrm>
+            <a:off x="1219458" y="1522108"/>
+            <a:ext cx="6891528" cy="3323987"/>
+          </a:xfrm>
+          <a:prstGeom prst="rect">
+            <a:avLst/>
+          </a:prstGeom>
+          <a:noFill/>
+        </p:spPr>
+        <p:txBody>
+          <a:bodyPr wrap="square">
+            <a:spAutoFit/>
+          </a:bodyPr>
+          <a:lstStyle/>
+          <a:p>
+            <a:pPr marL="285750" indent="-285750">
+              <a:buClr>
+                <a:schemeClr val="bg1"/>
+              </a:buClr>
+              <a:buFont typeface="Arial" panose="020B0604020202020204" pitchFamily="34" charset="0"/>
+              <a:buChar char="•"/>
+            </a:pPr>
+            <a:r>
+              <a:rPr lang="en-US" dirty="0">
+                <a:solidFill>
+                  <a:schemeClr val="bg1"/>
+                </a:solidFill>
+                <a:latin typeface="Oxygen" panose="02000503000000000000" pitchFamily="2" charset="0"/>
+              </a:rPr>
+              <a:t>Automation of natural language processing is an ongoing process that is becoming increasingly important as businesses strive to become more efficient and productive.</a:t>
+            </a:r>
+          </a:p>
+          <a:p>
+            <a:pPr>
+              <a:buClr>
+                <a:schemeClr val="bg1"/>
+              </a:buClr>
+            </a:pPr>
+            <a:endParaRPr lang="en-US" dirty="0">
+              <a:solidFill>
+                <a:schemeClr val="bg1"/>
+              </a:solidFill>
+              <a:latin typeface="Oxygen" panose="02000503000000000000" pitchFamily="2" charset="0"/>
+            </a:endParaRPr>
+          </a:p>
+          <a:p>
+            <a:pPr marL="285750" indent="-285750">
+              <a:buClr>
+                <a:schemeClr val="bg1"/>
+              </a:buClr>
+              <a:buFont typeface="Arial" panose="020B0604020202020204" pitchFamily="34" charset="0"/>
+              <a:buChar char="•"/>
+            </a:pPr>
+            <a:r>
+              <a:rPr lang="en-US" dirty="0">
+                <a:solidFill>
+                  <a:schemeClr val="bg1"/>
+                </a:solidFill>
+                <a:latin typeface="Oxygen" panose="02000503000000000000" pitchFamily="2" charset="0"/>
+              </a:rPr>
+              <a:t>By automating natural language processing tasks, individuals and businesses can save time and resources while still delivering accurate results. </a:t>
+            </a:r>
+          </a:p>
+          <a:p>
+            <a:pPr marL="285750" indent="-285750">
+              <a:buClr>
+                <a:schemeClr val="bg1"/>
+              </a:buClr>
+              <a:buFont typeface="Arial" panose="020B0604020202020204" pitchFamily="34" charset="0"/>
+              <a:buChar char="•"/>
+            </a:pPr>
+            <a:endParaRPr lang="en-US" dirty="0">
+              <a:solidFill>
+                <a:schemeClr val="bg1"/>
+              </a:solidFill>
+              <a:latin typeface="Oxygen" panose="02000503000000000000" pitchFamily="2" charset="0"/>
+            </a:endParaRPr>
+          </a:p>
+          <a:p>
+            <a:pPr marL="285750" indent="-285750">
+              <a:buClr>
+                <a:schemeClr val="bg1"/>
+              </a:buClr>
+              <a:buFont typeface="Arial" panose="020B0604020202020204" pitchFamily="34" charset="0"/>
+              <a:buChar char="•"/>
+            </a:pPr>
+            <a:r>
+              <a:rPr lang="en-US" dirty="0">
+                <a:solidFill>
+                  <a:schemeClr val="bg1"/>
+                </a:solidFill>
+                <a:latin typeface="Oxygen" panose="02000503000000000000" pitchFamily="2" charset="0"/>
+              </a:rPr>
+              <a:t>Automation helps to reduce the cost of human </a:t>
+            </a:r>
+            <a:r>
+              <a:rPr lang="en-US" dirty="0" err="1">
+                <a:solidFill>
+                  <a:schemeClr val="bg1"/>
+                </a:solidFill>
+                <a:latin typeface="Oxygen" panose="02000503000000000000" pitchFamily="2" charset="0"/>
+              </a:rPr>
+              <a:t>labour</a:t>
+            </a:r>
+            <a:r>
+              <a:rPr lang="en-US" dirty="0">
+                <a:solidFill>
+                  <a:schemeClr val="bg1"/>
+                </a:solidFill>
+                <a:latin typeface="Oxygen" panose="02000503000000000000" pitchFamily="2" charset="0"/>
+              </a:rPr>
+              <a:t> while improving the quality of results. </a:t>
+            </a:r>
+          </a:p>
+          <a:p>
+            <a:pPr marL="285750" indent="-285750">
+              <a:buClr>
+                <a:schemeClr val="bg1"/>
+              </a:buClr>
+              <a:buFont typeface="Arial" panose="020B0604020202020204" pitchFamily="34" charset="0"/>
+              <a:buChar char="•"/>
+            </a:pPr>
+            <a:endParaRPr lang="en-US" dirty="0">
+              <a:solidFill>
+                <a:schemeClr val="bg1"/>
+              </a:solidFill>
+              <a:latin typeface="Oxygen" panose="02000503000000000000" pitchFamily="2" charset="0"/>
+            </a:endParaRPr>
+          </a:p>
+          <a:p>
+            <a:pPr marL="285750" indent="-285750">
+              <a:buClr>
+                <a:schemeClr val="bg1"/>
+              </a:buClr>
+              <a:buFont typeface="Arial" panose="020B0604020202020204" pitchFamily="34" charset="0"/>
+              <a:buChar char="•"/>
+            </a:pPr>
+            <a:r>
+              <a:rPr lang="en-US" dirty="0">
+                <a:solidFill>
+                  <a:schemeClr val="bg1"/>
+                </a:solidFill>
+                <a:latin typeface="Oxygen" panose="02000503000000000000" pitchFamily="2" charset="0"/>
+              </a:rPr>
+              <a:t>With the help of a Web-based interface one can effectively use automation to streamline their natural language processing tasks and improve the accuracy of their results.</a:t>
+            </a:r>
+          </a:p>
+          <a:p>
+            <a:pPr marL="285750" indent="-285750">
+              <a:buClr>
+                <a:schemeClr val="bg1"/>
+              </a:buClr>
+              <a:buFont typeface="Arial" panose="020B0604020202020204" pitchFamily="34" charset="0"/>
+              <a:buChar char="•"/>
+            </a:pPr>
+            <a:endParaRPr lang="en-US" dirty="0">
+              <a:solidFill>
+                <a:schemeClr val="bg1"/>
+              </a:solidFill>
+              <a:latin typeface="Oxygen" panose="02000503000000000000" pitchFamily="2" charset="0"/>
+            </a:endParaRPr>
+          </a:p>
+          <a:p>
+            <a:pPr marL="285750" indent="-285750">
+              <a:buClr>
+                <a:schemeClr val="bg1"/>
+              </a:buClr>
+              <a:buFont typeface="Arial" panose="020B0604020202020204" pitchFamily="34" charset="0"/>
+              <a:buChar char="•"/>
+            </a:pPr>
+            <a:endParaRPr lang="en-US" dirty="0">
+              <a:solidFill>
+                <a:schemeClr val="bg1"/>
+              </a:solidFill>
+              <a:latin typeface="Oxygen" panose="02000503000000000000" pitchFamily="2" charset="0"/>
+            </a:endParaRPr>
+          </a:p>
+        </p:txBody>
+      </p:sp>
+    </p:spTree>
+    <p:extLst>
+      <p:ext uri="{BB962C8B-B14F-4D97-AF65-F5344CB8AC3E}">
+        <p14:creationId xmlns:p14="http://schemas.microsoft.com/office/powerpoint/2010/main" val="1321461595"/>
+      </p:ext>
+    </p:extLst>
+  </p:cSld>
+  <p:clrMapOvr>
+    <a:masterClrMapping/>
+  </p:clrMapOvr>
+</p:sld>
+</file>
+
+<file path=ppt/slides/slide17.xml><?xml version="1.0" encoding="utf-8"?>
+<p:sld xmlns:a="http://schemas.openxmlformats.org/drawingml/2006/main" xmlns:r="http://schemas.openxmlformats.org/officeDocument/2006/relationships" xmlns:p="http://schemas.openxmlformats.org/presentationml/2006/main">
+  <p:cSld>
+    <p:spTree>
+      <p:nvGrpSpPr>
+        <p:cNvPr id="1" name=""/>
+        <p:cNvGrpSpPr/>
+        <p:nvPr/>
+      </p:nvGrpSpPr>
+      <p:grpSpPr>
+        <a:xfrm>
+          <a:off x="0" y="0"/>
+          <a:ext cx="0" cy="0"/>
+          <a:chOff x="0" y="0"/>
+          <a:chExt cx="0" cy="0"/>
+        </a:xfrm>
+      </p:grpSpPr>
+      <p:sp>
+        <p:nvSpPr>
+          <p:cNvPr id="2" name="Title 1">
+            <a:extLst>
+              <a:ext uri="{FF2B5EF4-FFF2-40B4-BE49-F238E27FC236}">
+                <a16:creationId xmlns:a16="http://schemas.microsoft.com/office/drawing/2014/main" id="{7ED3068F-E13D-3D3B-7044-06141E2F8CD0}"/>
+              </a:ext>
+            </a:extLst>
+          </p:cNvPr>
+          <p:cNvSpPr>
+            <a:spLocks noGrp="1"/>
+          </p:cNvSpPr>
+          <p:nvPr>
+            <p:ph type="title"/>
+          </p:nvPr>
+        </p:nvSpPr>
+        <p:spPr>
+          <a:xfrm>
+            <a:off x="720000" y="1192242"/>
+            <a:ext cx="7704000" cy="329100"/>
+          </a:xfrm>
+        </p:spPr>
+        <p:txBody>
+          <a:bodyPr/>
+          <a:lstStyle/>
+          <a:p>
+            <a:r>
+              <a:rPr lang="en-IN" dirty="0"/>
+              <a:t>REFERENCES</a:t>
+            </a:r>
+          </a:p>
+        </p:txBody>
+      </p:sp>
+      <p:sp>
+        <p:nvSpPr>
+          <p:cNvPr id="4" name="TextBox 3">
+            <a:extLst>
+              <a:ext uri="{FF2B5EF4-FFF2-40B4-BE49-F238E27FC236}">
+                <a16:creationId xmlns:a16="http://schemas.microsoft.com/office/drawing/2014/main" id="{635ED73B-F2D3-A05C-7A97-52A3592EFE5F}"/>
+              </a:ext>
+            </a:extLst>
+          </p:cNvPr>
+          <p:cNvSpPr txBox="1"/>
+          <p:nvPr/>
+        </p:nvSpPr>
+        <p:spPr>
+          <a:xfrm>
+            <a:off x="1219458" y="1901250"/>
+            <a:ext cx="6891528" cy="2031325"/>
+          </a:xfrm>
+          <a:prstGeom prst="rect">
+            <a:avLst/>
+          </a:prstGeom>
+          <a:noFill/>
+        </p:spPr>
+        <p:txBody>
+          <a:bodyPr wrap="square">
+            <a:spAutoFit/>
+          </a:bodyPr>
+          <a:lstStyle/>
+          <a:p>
+            <a:pPr marL="342900" indent="-342900">
+              <a:buClr>
+                <a:schemeClr val="bg1"/>
+              </a:buClr>
+              <a:buFont typeface="+mj-lt"/>
+              <a:buAutoNum type="arabicPeriod"/>
+            </a:pPr>
+            <a:r>
+              <a:rPr lang="en-US" dirty="0">
+                <a:solidFill>
+                  <a:schemeClr val="bg1"/>
+                </a:solidFill>
+                <a:latin typeface="Oxygen" panose="02000503000000000000" pitchFamily="2" charset="0"/>
+                <a:hlinkClick r:id="rId2"/>
+              </a:rPr>
+              <a:t>https://www.researchgate.net/publication/339406698_An_Examination_System_Automation_Using_Natural_Language_Processing</a:t>
+            </a:r>
+            <a:endParaRPr lang="en-US" dirty="0">
+              <a:solidFill>
+                <a:schemeClr val="bg1"/>
+              </a:solidFill>
+              <a:latin typeface="Oxygen" panose="02000503000000000000" pitchFamily="2" charset="0"/>
+            </a:endParaRPr>
+          </a:p>
+          <a:p>
+            <a:pPr marL="342900" indent="-342900">
+              <a:buClr>
+                <a:schemeClr val="bg1"/>
+              </a:buClr>
+              <a:buFont typeface="+mj-lt"/>
+              <a:buAutoNum type="arabicPeriod"/>
+            </a:pPr>
+            <a:endParaRPr lang="en-US" dirty="0">
+              <a:solidFill>
+                <a:schemeClr val="bg1"/>
+              </a:solidFill>
+              <a:latin typeface="Oxygen" panose="02000503000000000000" pitchFamily="2" charset="0"/>
+            </a:endParaRPr>
+          </a:p>
+          <a:p>
+            <a:pPr marL="342900" indent="-342900">
+              <a:buClr>
+                <a:schemeClr val="bg1"/>
+              </a:buClr>
+              <a:buFont typeface="+mj-lt"/>
+              <a:buAutoNum type="arabicPeriod"/>
+            </a:pPr>
+            <a:r>
+              <a:rPr lang="en-US" dirty="0">
+                <a:solidFill>
+                  <a:schemeClr val="bg1"/>
+                </a:solidFill>
+                <a:latin typeface="Oxygen" panose="02000503000000000000" pitchFamily="2" charset="0"/>
+                <a:hlinkClick r:id="rId3"/>
+              </a:rPr>
+              <a:t>https://www.irjet.net/archives/V7/i6/IRJET-V7I6913.pdf</a:t>
+            </a:r>
+            <a:endParaRPr lang="en-US" dirty="0">
+              <a:solidFill>
+                <a:schemeClr val="bg1"/>
+              </a:solidFill>
+              <a:latin typeface="Oxygen" panose="02000503000000000000" pitchFamily="2" charset="0"/>
+            </a:endParaRPr>
+          </a:p>
+          <a:p>
+            <a:pPr marL="342900" indent="-342900">
+              <a:buClr>
+                <a:schemeClr val="bg1"/>
+              </a:buClr>
+              <a:buFont typeface="+mj-lt"/>
+              <a:buAutoNum type="arabicPeriod"/>
+            </a:pPr>
+            <a:endParaRPr lang="en-US" dirty="0">
+              <a:solidFill>
+                <a:schemeClr val="bg1"/>
+              </a:solidFill>
+              <a:latin typeface="Oxygen" panose="02000503000000000000" pitchFamily="2" charset="0"/>
+            </a:endParaRPr>
+          </a:p>
+          <a:p>
+            <a:pPr marL="342900" indent="-342900">
+              <a:buClr>
+                <a:schemeClr val="bg1"/>
+              </a:buClr>
+              <a:buFont typeface="+mj-lt"/>
+              <a:buAutoNum type="arabicPeriod"/>
+            </a:pPr>
+            <a:r>
+              <a:rPr lang="en-US" dirty="0">
+                <a:solidFill>
+                  <a:schemeClr val="bg1"/>
+                </a:solidFill>
+                <a:latin typeface="Oxygen" panose="02000503000000000000" pitchFamily="2" charset="0"/>
+                <a:hlinkClick r:id="rId4"/>
+              </a:rPr>
+              <a:t>https://link.springer.com/chapter/10.1007/978-3-030-10752-9_1#Sec9</a:t>
+            </a:r>
+            <a:endParaRPr lang="en-US" dirty="0">
+              <a:solidFill>
+                <a:schemeClr val="bg1"/>
+              </a:solidFill>
+              <a:latin typeface="Oxygen" panose="02000503000000000000" pitchFamily="2" charset="0"/>
+            </a:endParaRPr>
+          </a:p>
+          <a:p>
+            <a:pPr marL="342900" indent="-342900">
+              <a:buClr>
+                <a:schemeClr val="bg1"/>
+              </a:buClr>
+              <a:buFont typeface="+mj-lt"/>
+              <a:buAutoNum type="arabicPeriod"/>
+            </a:pPr>
+            <a:endParaRPr lang="en-US" dirty="0">
+              <a:solidFill>
+                <a:schemeClr val="bg1"/>
+              </a:solidFill>
+              <a:latin typeface="Oxygen" panose="02000503000000000000" pitchFamily="2" charset="0"/>
+            </a:endParaRPr>
+          </a:p>
+          <a:p>
+            <a:pPr marL="342900" indent="-342900">
+              <a:buClr>
+                <a:schemeClr val="bg1"/>
+              </a:buClr>
+              <a:buFont typeface="+mj-lt"/>
+              <a:buAutoNum type="arabicPeriod"/>
+            </a:pPr>
+            <a:r>
+              <a:rPr lang="en-US" dirty="0">
+                <a:solidFill>
+                  <a:schemeClr val="bg1"/>
+                </a:solidFill>
+                <a:latin typeface="Oxygen" panose="02000503000000000000" pitchFamily="2" charset="0"/>
+                <a:hlinkClick r:id="rId5"/>
+              </a:rPr>
+              <a:t>http://repository.londonmet.ac.uk/3447/1/Paper.pdf</a:t>
+            </a:r>
+            <a:endParaRPr lang="en-US" dirty="0">
+              <a:solidFill>
+                <a:schemeClr val="bg1"/>
+              </a:solidFill>
+              <a:latin typeface="Oxygen" panose="02000503000000000000" pitchFamily="2" charset="0"/>
+            </a:endParaRPr>
+          </a:p>
+          <a:p>
+            <a:pPr marL="285750" indent="-285750">
+              <a:buClr>
+                <a:schemeClr val="bg1"/>
+              </a:buClr>
+              <a:buFont typeface="Arial" panose="020B0604020202020204" pitchFamily="34" charset="0"/>
+              <a:buChar char="•"/>
+            </a:pPr>
+            <a:endParaRPr lang="en-US" dirty="0">
+              <a:solidFill>
+                <a:schemeClr val="bg1"/>
+              </a:solidFill>
+              <a:latin typeface="Oxygen" panose="02000503000000000000" pitchFamily="2" charset="0"/>
+            </a:endParaRPr>
+          </a:p>
+        </p:txBody>
+      </p:sp>
+    </p:spTree>
+    <p:extLst>
+      <p:ext uri="{BB962C8B-B14F-4D97-AF65-F5344CB8AC3E}">
+        <p14:creationId xmlns:p14="http://schemas.microsoft.com/office/powerpoint/2010/main" val="1941891537"/>
       </p:ext>
     </p:extLst>
   </p:cSld>
